--- a/docs/source/TP2/TP2_2061124.pptx
+++ b/docs/source/TP2/TP2_2061124.pptx
@@ -5,7 +5,7 @@
     <p:sldMasterId id="2147483960" r:id="rId1"/>
   </p:sldMasterIdLst>
   <p:notesMasterIdLst>
-    <p:notesMasterId r:id="rId26"/>
+    <p:notesMasterId r:id="rId23"/>
   </p:notesMasterIdLst>
   <p:sldIdLst>
     <p:sldId id="256" r:id="rId2"/>
@@ -21,17 +21,14 @@
     <p:sldId id="264" r:id="rId12"/>
     <p:sldId id="262" r:id="rId13"/>
     <p:sldId id="268" r:id="rId14"/>
-    <p:sldId id="269" r:id="rId15"/>
-    <p:sldId id="271" r:id="rId16"/>
-    <p:sldId id="272" r:id="rId17"/>
-    <p:sldId id="273" r:id="rId18"/>
-    <p:sldId id="274" r:id="rId19"/>
-    <p:sldId id="275" r:id="rId20"/>
-    <p:sldId id="276" r:id="rId21"/>
-    <p:sldId id="277" r:id="rId22"/>
-    <p:sldId id="278" r:id="rId23"/>
-    <p:sldId id="279" r:id="rId24"/>
-    <p:sldId id="270" r:id="rId25"/>
+    <p:sldId id="271" r:id="rId15"/>
+    <p:sldId id="272" r:id="rId16"/>
+    <p:sldId id="273" r:id="rId17"/>
+    <p:sldId id="274" r:id="rId18"/>
+    <p:sldId id="275" r:id="rId19"/>
+    <p:sldId id="278" r:id="rId20"/>
+    <p:sldId id="279" r:id="rId21"/>
+    <p:sldId id="270" r:id="rId22"/>
   </p:sldIdLst>
   <p:sldSz cx="9144000" cy="6858000" type="screen4x3"/>
   <p:notesSz cx="6858000" cy="9144000"/>
@@ -215,7 +212,7 @@
           <a:p>
             <a:fld id="{D46D1283-5DEE-1D4B-9A59-41C3AC654D49}" type="datetimeFigureOut">
               <a:rPr lang="fr-FR" smtClean="0"/>
-              <a:t>21/11/2016</a:t>
+              <a:t>22/11/2016</a:t>
             </a:fld>
             <a:endParaRPr lang="fr-FR"/>
           </a:p>
@@ -2517,7 +2514,7 @@
           <a:p>
             <a:fld id="{765A39CE-0D6A-9146-9E74-36011722BF20}" type="slidenum">
               <a:rPr lang="fr-FR" smtClean="0"/>
-              <a:t>22</a:t>
+              <a:t>19</a:t>
             </a:fld>
             <a:endParaRPr lang="fr-FR"/>
           </a:p>
@@ -2724,7 +2721,7 @@
           <a:p>
             <a:fld id="{C8A432C8-69A7-458B-9684-2BFA64B31948}" type="datetime2">
               <a:rPr lang="en-US" smtClean="0"/>
-              <a:t>lundi 21 novembre 16</a:t>
+              <a:t>mardi 22 novembre 16</a:t>
             </a:fld>
             <a:endParaRPr lang="en-US"/>
           </a:p>
@@ -2926,7 +2923,7 @@
           <a:p>
             <a:fld id="{8CC057FC-95B6-4D89-AFDA-ABA33EE921E5}" type="datetime2">
               <a:rPr lang="en-US" smtClean="0"/>
-              <a:t>lundi 21 novembre 16</a:t>
+              <a:t>mardi 22 novembre 16</a:t>
             </a:fld>
             <a:endParaRPr lang="en-US"/>
           </a:p>
@@ -3103,7 +3100,7 @@
           <a:p>
             <a:fld id="{EC4549AC-EB31-477F-92A9-B1988E232878}" type="datetime2">
               <a:rPr lang="en-US" smtClean="0"/>
-              <a:t>lundi 21 novembre 16</a:t>
+              <a:t>mardi 22 novembre 16</a:t>
             </a:fld>
             <a:endParaRPr lang="en-US"/>
           </a:p>
@@ -3270,7 +3267,7 @@
           <a:p>
             <a:fld id="{6396A3A3-94A6-4E5B-AF39-173ACA3E61CC}" type="datetime2">
               <a:rPr lang="en-US" smtClean="0"/>
-              <a:t>lundi 21 novembre 16</a:t>
+              <a:t>mardi 22 novembre 16</a:t>
             </a:fld>
             <a:endParaRPr lang="en-US"/>
           </a:p>
@@ -3520,7 +3517,7 @@
           <a:p>
             <a:fld id="{9933D019-A32C-4EAD-B8E6-DBDA699692FD}" type="datetime2">
               <a:rPr lang="en-US" smtClean="0"/>
-              <a:t>lundi 21 novembre 16</a:t>
+              <a:t>mardi 22 novembre 16</a:t>
             </a:fld>
             <a:endParaRPr lang="en-US"/>
           </a:p>
@@ -3840,7 +3837,7 @@
           <a:p>
             <a:fld id="{CCEBA98F-560C-4997-81C4-81D4D9187EAB}" type="datetime2">
               <a:rPr lang="en-US" smtClean="0"/>
-              <a:t>lundi 21 novembre 16</a:t>
+              <a:t>mardi 22 novembre 16</a:t>
             </a:fld>
             <a:endParaRPr lang="en-US"/>
           </a:p>
@@ -4308,7 +4305,7 @@
           <a:p>
             <a:fld id="{150972B2-CA5C-437D-87D0-8081271A9E4B}" type="datetime2">
               <a:rPr lang="en-US" smtClean="0"/>
-              <a:t>lundi 21 novembre 16</a:t>
+              <a:t>mardi 22 novembre 16</a:t>
             </a:fld>
             <a:endParaRPr lang="en-US"/>
           </a:p>
@@ -4458,7 +4455,7 @@
           <a:p>
             <a:fld id="{79CD4847-11EF-4466-A8AD-85CDB7B49118}" type="datetime2">
               <a:rPr lang="en-US" smtClean="0"/>
-              <a:t>lundi 21 novembre 16</a:t>
+              <a:t>mardi 22 novembre 16</a:t>
             </a:fld>
             <a:endParaRPr lang="en-US"/>
           </a:p>
@@ -4550,7 +4547,7 @@
           <a:p>
             <a:fld id="{F168457A-3AB9-4880-8A0C-9F8524491207}" type="datetime2">
               <a:rPr lang="en-US" smtClean="0"/>
-              <a:t>lundi 21 novembre 16</a:t>
+              <a:t>mardi 22 novembre 16</a:t>
             </a:fld>
             <a:endParaRPr lang="en-US"/>
           </a:p>
@@ -4826,7 +4823,7 @@
           <a:p>
             <a:fld id="{3FE976D3-5B7F-4300-ABED-C91F1B2AE209}" type="datetime2">
               <a:rPr lang="en-US" smtClean="0"/>
-              <a:t>lundi 21 novembre 16</a:t>
+              <a:t>mardi 22 novembre 16</a:t>
             </a:fld>
             <a:endParaRPr lang="en-US"/>
           </a:p>
@@ -5133,7 +5130,7 @@
           <a:p>
             <a:fld id="{EBDC1E59-17DD-41CE-97CA-624A472382D4}" type="datetime2">
               <a:rPr lang="en-US" smtClean="0"/>
-              <a:t>lundi 21 novembre 16</a:t>
+              <a:t>mardi 22 novembre 16</a:t>
             </a:fld>
             <a:endParaRPr lang="en-US"/>
           </a:p>
@@ -5433,7 +5430,7 @@
           <a:p>
             <a:fld id="{A80CB818-7379-467D-8E76-EF9D9074A26C}" type="datetime2">
               <a:rPr lang="en-US" smtClean="0"/>
-              <a:t>lundi 21 novembre 16</a:t>
+              <a:t>mardi 22 novembre 16</a:t>
             </a:fld>
             <a:endParaRPr lang="en-US" dirty="0"/>
           </a:p>
@@ -6334,21 +6331,11 @@
           <a:p>
             <a:r>
               <a:rPr lang="fr-FR" dirty="0" smtClean="0"/>
-              <a:t>Mettre ici </a:t>
+              <a:t>Biais dans le RNA-</a:t>
             </a:r>
             <a:r>
               <a:rPr lang="fr-FR" dirty="0" err="1" smtClean="0"/>
-              <a:t>slides</a:t>
-            </a:r>
-            <a:r>
-              <a:rPr lang="fr-FR" dirty="0" smtClean="0"/>
-              <a:t> sur chimie </a:t>
-            </a:r>
-            <a:r>
-              <a:rPr lang="fr-FR" dirty="0" smtClean="0">
-                <a:sym typeface="Wingdings"/>
-              </a:rPr>
-              <a:t> image</a:t>
+              <a:t>Seq</a:t>
             </a:r>
             <a:endParaRPr lang="fr-FR" dirty="0"/>
           </a:p>
@@ -6366,17 +6353,259 @@
         </p:nvSpPr>
         <p:spPr/>
         <p:txBody>
-          <a:bodyPr/>
+          <a:bodyPr>
+            <a:normAutofit lnSpcReduction="10000"/>
+          </a:bodyPr>
           <a:lstStyle/>
           <a:p>
-            <a:endParaRPr lang="fr-FR"/>
+            <a:r>
+              <a:rPr lang="fr-FR" dirty="0" smtClean="0"/>
+              <a:t>Design : </a:t>
+            </a:r>
+          </a:p>
+          <a:p>
+            <a:pPr lvl="1"/>
+            <a:r>
+              <a:rPr lang="fr-FR" dirty="0" smtClean="0"/>
+              <a:t>Eviter de mettre tout les </a:t>
+            </a:r>
+            <a:r>
+              <a:rPr lang="fr-FR" dirty="0" err="1" smtClean="0"/>
+              <a:t>réplicats</a:t>
+            </a:r>
+            <a:r>
+              <a:rPr lang="fr-FR" dirty="0" smtClean="0"/>
+              <a:t> sur la </a:t>
+            </a:r>
+            <a:r>
+              <a:rPr lang="fr-FR" dirty="0" err="1" smtClean="0"/>
+              <a:t>meme</a:t>
+            </a:r>
+            <a:r>
+              <a:rPr lang="fr-FR" dirty="0" smtClean="0"/>
+              <a:t> « </a:t>
+            </a:r>
+            <a:r>
+              <a:rPr lang="fr-FR" dirty="0" err="1" smtClean="0"/>
+              <a:t>lane</a:t>
+            </a:r>
+            <a:r>
+              <a:rPr lang="fr-FR" dirty="0" smtClean="0"/>
+              <a:t> » de </a:t>
+            </a:r>
+            <a:r>
+              <a:rPr lang="fr-FR" dirty="0" err="1" smtClean="0"/>
+              <a:t>flowcell</a:t>
+            </a:r>
+            <a:endParaRPr lang="fr-FR" dirty="0" smtClean="0"/>
+          </a:p>
+          <a:p>
+            <a:pPr lvl="1"/>
+            <a:r>
+              <a:rPr lang="fr-FR" dirty="0" smtClean="0"/>
+              <a:t>Eviter de mettre des nombres différents de samples dans les « </a:t>
+            </a:r>
+            <a:r>
+              <a:rPr lang="fr-FR" dirty="0" err="1" smtClean="0"/>
+              <a:t>lanes</a:t>
+            </a:r>
+            <a:r>
+              <a:rPr lang="fr-FR" dirty="0" smtClean="0"/>
+              <a:t> »</a:t>
+            </a:r>
+          </a:p>
+          <a:p>
+            <a:pPr lvl="1"/>
+            <a:r>
+              <a:rPr lang="fr-FR" dirty="0" smtClean="0"/>
+              <a:t>Eviter d’utiliser les </a:t>
+            </a:r>
+            <a:r>
+              <a:rPr lang="fr-FR" dirty="0" smtClean="0"/>
+              <a:t>m</a:t>
+            </a:r>
+            <a:r>
+              <a:rPr lang="fr-FR" dirty="0" smtClean="0"/>
+              <a:t>ê</a:t>
+            </a:r>
+            <a:r>
+              <a:rPr lang="fr-FR" dirty="0" smtClean="0"/>
+              <a:t>me </a:t>
+            </a:r>
+            <a:r>
+              <a:rPr lang="fr-FR" dirty="0" err="1" smtClean="0"/>
+              <a:t>barcodes</a:t>
+            </a:r>
+            <a:r>
+              <a:rPr lang="fr-FR" dirty="0" smtClean="0"/>
+              <a:t> </a:t>
+            </a:r>
+            <a:r>
+              <a:rPr lang="fr-FR" dirty="0" smtClean="0"/>
+              <a:t>pour les </a:t>
+            </a:r>
+            <a:r>
+              <a:rPr lang="fr-FR" dirty="0" err="1" smtClean="0"/>
+              <a:t>replicats</a:t>
+            </a:r>
+            <a:endParaRPr lang="fr-FR" dirty="0"/>
+          </a:p>
+          <a:p>
+            <a:r>
+              <a:rPr lang="fr-FR" dirty="0" smtClean="0"/>
+              <a:t>Technique :</a:t>
+            </a:r>
+          </a:p>
+          <a:p>
+            <a:pPr lvl="1"/>
+            <a:r>
+              <a:rPr lang="fr-FR" dirty="0" smtClean="0"/>
+              <a:t>La </a:t>
+            </a:r>
+            <a:r>
+              <a:rPr lang="fr-FR" dirty="0" smtClean="0"/>
+              <a:t>génération des </a:t>
+            </a:r>
+            <a:r>
+              <a:rPr lang="fr-FR" dirty="0" err="1" smtClean="0"/>
+              <a:t>cDNA</a:t>
+            </a:r>
+            <a:r>
+              <a:rPr lang="fr-FR" dirty="0" smtClean="0"/>
+              <a:t> par </a:t>
+            </a:r>
+            <a:r>
+              <a:rPr lang="fr-FR" dirty="0" err="1" smtClean="0"/>
+              <a:t>Random</a:t>
+            </a:r>
+            <a:r>
+              <a:rPr lang="fr-FR" dirty="0" smtClean="0"/>
+              <a:t> </a:t>
+            </a:r>
+            <a:r>
+              <a:rPr lang="fr-FR" dirty="0" err="1"/>
+              <a:t>Hexamer</a:t>
+            </a:r>
+            <a:r>
+              <a:rPr lang="fr-FR" dirty="0"/>
+              <a:t> </a:t>
+            </a:r>
+            <a:r>
+              <a:rPr lang="fr-FR" dirty="0" smtClean="0"/>
+              <a:t>Priming induit des biais de composition nucléotidique en tout début de  </a:t>
+            </a:r>
+            <a:r>
+              <a:rPr lang="fr-FR" dirty="0" err="1" smtClean="0"/>
+              <a:t>reads</a:t>
+            </a:r>
+            <a:r>
+              <a:rPr lang="fr-FR" dirty="0" smtClean="0"/>
+              <a:t> </a:t>
+            </a:r>
+            <a:endParaRPr lang="fr-FR" dirty="0"/>
+          </a:p>
+          <a:p>
+            <a:pPr lvl="1"/>
+            <a:r>
+              <a:rPr lang="fr-FR" dirty="0" smtClean="0"/>
+              <a:t>Hiérarchie des biais : </a:t>
+            </a:r>
+            <a:r>
+              <a:rPr lang="fr-FR" dirty="0" err="1" smtClean="0"/>
+              <a:t>biological</a:t>
+            </a:r>
+            <a:r>
+              <a:rPr lang="fr-FR" dirty="0" smtClean="0"/>
+              <a:t> </a:t>
+            </a:r>
+            <a:r>
+              <a:rPr lang="fr-FR" dirty="0"/>
+              <a:t>condition &gt;&gt; concentration &gt; </a:t>
+            </a:r>
+            <a:r>
+              <a:rPr lang="fr-FR" dirty="0" err="1"/>
+              <a:t>run</a:t>
+            </a:r>
+            <a:r>
+              <a:rPr lang="fr-FR" dirty="0"/>
+              <a:t>/</a:t>
+            </a:r>
+            <a:r>
+              <a:rPr lang="fr-FR" dirty="0" err="1"/>
+              <a:t>flowcell</a:t>
+            </a:r>
+            <a:r>
+              <a:rPr lang="fr-FR" dirty="0"/>
+              <a:t> &gt; </a:t>
+            </a:r>
+            <a:r>
+              <a:rPr lang="fr-FR" dirty="0" err="1"/>
+              <a:t>lane</a:t>
+            </a:r>
+            <a:r>
+              <a:rPr lang="fr-FR" dirty="0"/>
+              <a:t> </a:t>
+            </a:r>
+          </a:p>
+          <a:p>
+            <a:r>
+              <a:rPr lang="fr-FR" dirty="0" smtClean="0"/>
+              <a:t>Taille de librairies:</a:t>
+            </a:r>
+          </a:p>
+          <a:p>
+            <a:pPr lvl="1"/>
+            <a:r>
+              <a:rPr lang="fr-FR" dirty="0" smtClean="0"/>
+              <a:t>A </a:t>
+            </a:r>
+            <a:r>
+              <a:rPr lang="fr-FR" dirty="0" smtClean="0"/>
+              <a:t>niveau d’expression </a:t>
+            </a:r>
+            <a:r>
+              <a:rPr lang="fr-FR" dirty="0"/>
+              <a:t>é</a:t>
+            </a:r>
+            <a:r>
+              <a:rPr lang="fr-FR" dirty="0" smtClean="0"/>
+              <a:t>gal</a:t>
+            </a:r>
+            <a:r>
+              <a:rPr lang="fr-FR" dirty="0" smtClean="0"/>
+              <a:t>, un long gène aura plus de </a:t>
+            </a:r>
+            <a:r>
+              <a:rPr lang="fr-FR" dirty="0" err="1" smtClean="0"/>
+              <a:t>reads</a:t>
+            </a:r>
+            <a:r>
+              <a:rPr lang="fr-FR" dirty="0" smtClean="0"/>
+              <a:t> qu’un gène court (normalisation)</a:t>
+            </a:r>
+          </a:p>
+          <a:p>
+            <a:pPr lvl="1"/>
+            <a:r>
+              <a:rPr lang="fr-FR" dirty="0" smtClean="0"/>
+              <a:t>Couverture non homogène, multiple hits pour certains </a:t>
+            </a:r>
+            <a:r>
+              <a:rPr lang="fr-FR" dirty="0" err="1" smtClean="0"/>
+              <a:t>reads</a:t>
+            </a:r>
+            <a:r>
+              <a:rPr lang="fr-FR" dirty="0" smtClean="0"/>
+              <a:t> …</a:t>
+            </a:r>
+            <a:endParaRPr lang="fr-FR" dirty="0"/>
           </a:p>
         </p:txBody>
       </p:sp>
     </p:spTree>
     <p:extLst>
       <p:ext uri="{BB962C8B-B14F-4D97-AF65-F5344CB8AC3E}">
-        <p14:creationId xmlns:p14="http://schemas.microsoft.com/office/powerpoint/2010/main" val="641397022"/>
+        <p14:creationId xmlns:p14="http://schemas.microsoft.com/office/powerpoint/2010/main" val="654321622"/>
       </p:ext>
     </p:extLst>
   </p:cSld>
@@ -6420,11 +6649,15 @@
           <a:p>
             <a:r>
               <a:rPr lang="fr-FR" dirty="0" smtClean="0"/>
-              <a:t>Biais dans le RNA-</a:t>
+              <a:t>Pré-</a:t>
             </a:r>
             <a:r>
               <a:rPr lang="fr-FR" dirty="0" err="1" smtClean="0"/>
-              <a:t>Seq</a:t>
+              <a:t>processing</a:t>
+            </a:r>
+            <a:r>
+              <a:rPr lang="fr-FR" dirty="0" smtClean="0"/>
+              <a:t> des données</a:t>
             </a:r>
             <a:endParaRPr lang="fr-FR" dirty="0"/>
           </a:p>
@@ -6432,242 +6665,150 @@
       </p:sp>
       <p:sp>
         <p:nvSpPr>
-          <p:cNvPr id="3" name="Espace réservé du contenu 2"/>
-          <p:cNvSpPr>
-            <a:spLocks noGrp="1"/>
-          </p:cNvSpPr>
-          <p:nvPr>
-            <p:ph idx="1"/>
-          </p:nvPr>
+          <p:cNvPr id="5" name="ZoneTexte 4"/>
+          <p:cNvSpPr txBox="1"/>
+          <p:nvPr/>
         </p:nvSpPr>
-        <p:spPr/>
+        <p:spPr>
+          <a:xfrm>
+            <a:off x="2706928" y="2010246"/>
+            <a:ext cx="3142635" cy="707886"/>
+          </a:xfrm>
+          <a:prstGeom prst="rect">
+            <a:avLst/>
+          </a:prstGeom>
+          <a:noFill/>
+          <a:ln w="57150" cmpd="sng">
+            <a:solidFill>
+              <a:schemeClr val="tx2"/>
+            </a:solidFill>
+          </a:ln>
+        </p:spPr>
         <p:txBody>
-          <a:bodyPr>
-            <a:normAutofit fontScale="92500"/>
+          <a:bodyPr wrap="square" rtlCol="0">
+            <a:spAutoFit/>
           </a:bodyPr>
           <a:lstStyle/>
           <a:p>
-            <a:r>
-              <a:rPr lang="fr-FR" dirty="0" smtClean="0"/>
-              <a:t>Design : </a:t>
-            </a:r>
-          </a:p>
-          <a:p>
-            <a:pPr lvl="1"/>
-            <a:r>
-              <a:rPr lang="fr-FR" dirty="0" smtClean="0"/>
-              <a:t>Eviter de mettre tout les </a:t>
-            </a:r>
-            <a:r>
-              <a:rPr lang="fr-FR" dirty="0" err="1" smtClean="0"/>
-              <a:t>réplicats</a:t>
-            </a:r>
-            <a:r>
-              <a:rPr lang="fr-FR" dirty="0" smtClean="0"/>
-              <a:t> sur la </a:t>
-            </a:r>
-            <a:r>
-              <a:rPr lang="fr-FR" dirty="0" err="1" smtClean="0"/>
-              <a:t>meme</a:t>
-            </a:r>
-            <a:r>
-              <a:rPr lang="fr-FR" dirty="0" smtClean="0"/>
-              <a:t> « </a:t>
-            </a:r>
-            <a:r>
-              <a:rPr lang="fr-FR" dirty="0" err="1" smtClean="0"/>
-              <a:t>lane</a:t>
-            </a:r>
-            <a:r>
-              <a:rPr lang="fr-FR" dirty="0" smtClean="0"/>
-              <a:t> » de </a:t>
-            </a:r>
-            <a:r>
-              <a:rPr lang="fr-FR" dirty="0" err="1" smtClean="0"/>
-              <a:t>flowcell</a:t>
-            </a:r>
-            <a:endParaRPr lang="fr-FR" dirty="0" smtClean="0"/>
-          </a:p>
-          <a:p>
-            <a:pPr lvl="1"/>
-            <a:r>
-              <a:rPr lang="fr-FR" dirty="0" smtClean="0"/>
-              <a:t>Eviter de mettre des nombres différents de samples dans les « </a:t>
-            </a:r>
-            <a:r>
-              <a:rPr lang="fr-FR" dirty="0" err="1" smtClean="0"/>
-              <a:t>lanes</a:t>
-            </a:r>
-            <a:r>
-              <a:rPr lang="fr-FR" dirty="0" smtClean="0"/>
-              <a:t> »</a:t>
-            </a:r>
-          </a:p>
-          <a:p>
-            <a:pPr lvl="1"/>
-            <a:r>
-              <a:rPr lang="fr-FR" dirty="0" smtClean="0"/>
-              <a:t>Eviter d’utiliser les </a:t>
-            </a:r>
-            <a:r>
-              <a:rPr lang="fr-FR" dirty="0" err="1" smtClean="0"/>
-              <a:t>meme</a:t>
-            </a:r>
-            <a:r>
-              <a:rPr lang="fr-FR" dirty="0" smtClean="0"/>
-              <a:t> </a:t>
-            </a:r>
-            <a:r>
-              <a:rPr lang="fr-FR" dirty="0" err="1" smtClean="0"/>
-              <a:t>barcode</a:t>
-            </a:r>
-            <a:r>
-              <a:rPr lang="fr-FR" dirty="0" smtClean="0"/>
-              <a:t> pour les </a:t>
-            </a:r>
-            <a:r>
-              <a:rPr lang="fr-FR" dirty="0" err="1" smtClean="0"/>
-              <a:t>replicats</a:t>
-            </a:r>
-            <a:endParaRPr lang="fr-FR" dirty="0" smtClean="0"/>
-          </a:p>
-          <a:p>
-            <a:pPr lvl="1"/>
-            <a:r>
-              <a:rPr lang="fr-FR" dirty="0" smtClean="0"/>
-              <a:t>…</a:t>
-            </a:r>
-            <a:endParaRPr lang="fr-FR" dirty="0"/>
-          </a:p>
-          <a:p>
-            <a:r>
-              <a:rPr lang="fr-FR" dirty="0" smtClean="0"/>
-              <a:t>La génération des </a:t>
-            </a:r>
-            <a:r>
-              <a:rPr lang="fr-FR" dirty="0" err="1" smtClean="0"/>
-              <a:t>cDNA</a:t>
-            </a:r>
-            <a:r>
-              <a:rPr lang="fr-FR" dirty="0" smtClean="0"/>
-              <a:t> par </a:t>
-            </a:r>
-            <a:r>
-              <a:rPr lang="fr-FR" dirty="0" err="1" smtClean="0"/>
-              <a:t>Random</a:t>
-            </a:r>
-            <a:r>
-              <a:rPr lang="fr-FR" dirty="0" smtClean="0"/>
-              <a:t> </a:t>
-            </a:r>
-            <a:r>
-              <a:rPr lang="fr-FR" dirty="0" err="1"/>
-              <a:t>Hexamer</a:t>
-            </a:r>
-            <a:r>
-              <a:rPr lang="fr-FR" dirty="0"/>
-              <a:t> </a:t>
-            </a:r>
-            <a:r>
-              <a:rPr lang="fr-FR" dirty="0" smtClean="0"/>
-              <a:t>Priming induit des biais de composition nucléotidique en tout début de  </a:t>
-            </a:r>
-            <a:r>
-              <a:rPr lang="fr-FR" dirty="0" err="1" smtClean="0"/>
-              <a:t>reads</a:t>
-            </a:r>
-            <a:r>
-              <a:rPr lang="fr-FR" dirty="0" smtClean="0"/>
-              <a:t> </a:t>
-            </a:r>
-            <a:endParaRPr lang="fr-FR" dirty="0"/>
-          </a:p>
-          <a:p>
-            <a:r>
-              <a:rPr lang="fr-FR" dirty="0" smtClean="0"/>
-              <a:t>Hiérarchie des biais : </a:t>
-            </a:r>
-            <a:r>
-              <a:rPr lang="fr-FR" dirty="0" err="1" smtClean="0"/>
-              <a:t>biological</a:t>
-            </a:r>
-            <a:r>
-              <a:rPr lang="fr-FR" dirty="0" smtClean="0"/>
-              <a:t> </a:t>
-            </a:r>
-            <a:r>
-              <a:rPr lang="fr-FR" dirty="0"/>
-              <a:t>condition &gt;&gt; concentration &gt; </a:t>
-            </a:r>
-            <a:r>
-              <a:rPr lang="fr-FR" dirty="0" err="1"/>
-              <a:t>run</a:t>
-            </a:r>
-            <a:r>
-              <a:rPr lang="fr-FR" dirty="0"/>
-              <a:t>/</a:t>
-            </a:r>
-            <a:r>
-              <a:rPr lang="fr-FR" dirty="0" err="1"/>
-              <a:t>flowcell</a:t>
-            </a:r>
-            <a:r>
-              <a:rPr lang="fr-FR" dirty="0"/>
-              <a:t> &gt; </a:t>
-            </a:r>
-            <a:r>
-              <a:rPr lang="fr-FR" dirty="0" err="1"/>
-              <a:t>lane</a:t>
-            </a:r>
-            <a:r>
-              <a:rPr lang="fr-FR" dirty="0"/>
-              <a:t> </a:t>
-            </a:r>
-            <a:endParaRPr lang="fr-FR" dirty="0"/>
-          </a:p>
-          <a:p>
-            <a:r>
-              <a:rPr lang="fr-FR" dirty="0" smtClean="0"/>
-              <a:t>A niveau d’expression </a:t>
-            </a:r>
-            <a:r>
-              <a:rPr lang="fr-FR" dirty="0" err="1" smtClean="0"/>
-              <a:t>egal</a:t>
-            </a:r>
-            <a:r>
-              <a:rPr lang="fr-FR" dirty="0" smtClean="0"/>
-              <a:t>, un long gène aura plus de </a:t>
-            </a:r>
-            <a:r>
-              <a:rPr lang="fr-FR" dirty="0" err="1" smtClean="0"/>
-              <a:t>reads</a:t>
-            </a:r>
-            <a:r>
-              <a:rPr lang="fr-FR" dirty="0" smtClean="0"/>
-              <a:t> qu’un gène court (normalisation)</a:t>
-            </a:r>
-          </a:p>
-          <a:p>
-            <a:r>
-              <a:rPr lang="fr-FR" dirty="0" smtClean="0"/>
-              <a:t>Couverture non homogène, multiple hits pour certains </a:t>
-            </a:r>
-            <a:r>
-              <a:rPr lang="fr-FR" dirty="0" err="1" smtClean="0"/>
-              <a:t>reads</a:t>
-            </a:r>
-            <a:r>
-              <a:rPr lang="fr-FR" dirty="0" smtClean="0"/>
-              <a:t> …</a:t>
-            </a:r>
-            <a:endParaRPr lang="fr-FR" dirty="0"/>
+            <a:pPr algn="ctr"/>
+            <a:r>
+              <a:rPr lang="fr-FR" sz="4000" spc="-100" dirty="0">
+                <a:solidFill>
+                  <a:schemeClr val="tx2"/>
+                </a:solidFill>
+                <a:latin typeface="+mj-lt"/>
+                <a:ea typeface="+mj-ea"/>
+                <a:cs typeface="+mj-cs"/>
+              </a:rPr>
+              <a:t>Control QC</a:t>
+            </a:r>
+          </a:p>
+        </p:txBody>
+      </p:sp>
+      <p:sp>
+        <p:nvSpPr>
+          <p:cNvPr id="8" name="ZoneTexte 7"/>
+          <p:cNvSpPr txBox="1"/>
+          <p:nvPr/>
+        </p:nvSpPr>
+        <p:spPr>
+          <a:xfrm>
+            <a:off x="2706928" y="3452930"/>
+            <a:ext cx="3142635" cy="707886"/>
+          </a:xfrm>
+          <a:prstGeom prst="rect">
+            <a:avLst/>
+          </a:prstGeom>
+          <a:noFill/>
+          <a:ln w="57150" cmpd="sng">
+            <a:solidFill>
+              <a:schemeClr val="tx2"/>
+            </a:solidFill>
+          </a:ln>
+        </p:spPr>
+        <p:txBody>
+          <a:bodyPr wrap="square" rtlCol="0">
+            <a:spAutoFit/>
+          </a:bodyPr>
+          <a:lstStyle/>
+          <a:p>
+            <a:pPr algn="ctr"/>
+            <a:r>
+              <a:rPr lang="fr-FR" sz="4000" spc="-100" dirty="0" err="1" smtClean="0">
+                <a:solidFill>
+                  <a:schemeClr val="tx2"/>
+                </a:solidFill>
+                <a:latin typeface="+mj-lt"/>
+                <a:ea typeface="+mj-ea"/>
+                <a:cs typeface="+mj-cs"/>
+              </a:rPr>
+              <a:t>Mapping</a:t>
+            </a:r>
+            <a:endParaRPr lang="fr-FR" sz="4000" spc="-100" dirty="0">
+              <a:solidFill>
+                <a:schemeClr val="tx2"/>
+              </a:solidFill>
+              <a:latin typeface="+mj-lt"/>
+              <a:ea typeface="+mj-ea"/>
+              <a:cs typeface="+mj-cs"/>
+            </a:endParaRPr>
+          </a:p>
+        </p:txBody>
+      </p:sp>
+      <p:sp>
+        <p:nvSpPr>
+          <p:cNvPr id="9" name="ZoneTexte 8"/>
+          <p:cNvSpPr txBox="1"/>
+          <p:nvPr/>
+        </p:nvSpPr>
+        <p:spPr>
+          <a:xfrm>
+            <a:off x="2706928" y="4883030"/>
+            <a:ext cx="3142635" cy="707886"/>
+          </a:xfrm>
+          <a:prstGeom prst="rect">
+            <a:avLst/>
+          </a:prstGeom>
+          <a:noFill/>
+          <a:ln w="57150" cmpd="sng">
+            <a:solidFill>
+              <a:schemeClr val="tx2"/>
+            </a:solidFill>
+          </a:ln>
+        </p:spPr>
+        <p:txBody>
+          <a:bodyPr wrap="square" rtlCol="0">
+            <a:spAutoFit/>
+          </a:bodyPr>
+          <a:lstStyle/>
+          <a:p>
+            <a:pPr algn="ctr"/>
+            <a:r>
+              <a:rPr lang="fr-FR" sz="4000" spc="-100" dirty="0" smtClean="0">
+                <a:solidFill>
+                  <a:schemeClr val="tx2"/>
+                </a:solidFill>
+                <a:latin typeface="+mj-lt"/>
+                <a:ea typeface="+mj-ea"/>
+                <a:cs typeface="+mj-cs"/>
+              </a:rPr>
+              <a:t>Quantification</a:t>
+            </a:r>
+            <a:endParaRPr lang="fr-FR" sz="4000" spc="-100" dirty="0">
+              <a:solidFill>
+                <a:schemeClr val="tx2"/>
+              </a:solidFill>
+              <a:latin typeface="+mj-lt"/>
+              <a:ea typeface="+mj-ea"/>
+              <a:cs typeface="+mj-cs"/>
+            </a:endParaRPr>
           </a:p>
         </p:txBody>
       </p:sp>
     </p:spTree>
     <p:extLst>
       <p:ext uri="{BB962C8B-B14F-4D97-AF65-F5344CB8AC3E}">
-        <p14:creationId xmlns:p14="http://schemas.microsoft.com/office/powerpoint/2010/main" val="654321622"/>
+        <p14:creationId xmlns:p14="http://schemas.microsoft.com/office/powerpoint/2010/main" val="3303078081"/>
       </p:ext>
     </p:extLst>
   </p:cSld>
@@ -6764,121 +6905,91 @@
               </a:rPr>
               <a:t>Control QC</a:t>
             </a:r>
-            <a:endParaRPr lang="fr-FR" sz="4000" spc="-100" dirty="0">
-              <a:solidFill>
-                <a:schemeClr val="tx2"/>
-              </a:solidFill>
-              <a:latin typeface="+mj-lt"/>
-              <a:ea typeface="+mj-ea"/>
-              <a:cs typeface="+mj-cs"/>
-            </a:endParaRPr>
           </a:p>
         </p:txBody>
       </p:sp>
       <p:sp>
         <p:nvSpPr>
-          <p:cNvPr id="8" name="ZoneTexte 7"/>
+          <p:cNvPr id="3" name="ZoneTexte 2"/>
           <p:cNvSpPr txBox="1"/>
           <p:nvPr/>
         </p:nvSpPr>
         <p:spPr>
           <a:xfrm>
-            <a:off x="2706928" y="3452930"/>
-            <a:ext cx="3142635" cy="707886"/>
+            <a:off x="852869" y="2873917"/>
+            <a:ext cx="7148111" cy="369332"/>
           </a:xfrm>
           <a:prstGeom prst="rect">
             <a:avLst/>
           </a:prstGeom>
           <a:noFill/>
-          <a:ln w="57150" cmpd="sng">
-            <a:solidFill>
-              <a:schemeClr val="tx2"/>
-            </a:solidFill>
-          </a:ln>
         </p:spPr>
         <p:txBody>
-          <a:bodyPr wrap="square" rtlCol="0">
+          <a:bodyPr wrap="none" rtlCol="0">
             <a:spAutoFit/>
           </a:bodyPr>
           <a:lstStyle/>
           <a:p>
-            <a:pPr algn="ctr"/>
-            <a:r>
-              <a:rPr lang="fr-FR" sz="4000" spc="-100" dirty="0" err="1" smtClean="0">
-                <a:solidFill>
-                  <a:schemeClr val="tx2"/>
-                </a:solidFill>
-                <a:latin typeface="+mj-lt"/>
-                <a:ea typeface="+mj-ea"/>
-                <a:cs typeface="+mj-cs"/>
-              </a:rPr>
-              <a:t>Mapping</a:t>
-            </a:r>
-            <a:endParaRPr lang="fr-FR" sz="4000" spc="-100" dirty="0">
-              <a:solidFill>
-                <a:schemeClr val="tx2"/>
-              </a:solidFill>
-              <a:latin typeface="+mj-lt"/>
-              <a:ea typeface="+mj-ea"/>
-              <a:cs typeface="+mj-cs"/>
-            </a:endParaRPr>
+            <a:r>
+              <a:rPr lang="fr-FR" dirty="0"/>
+              <a:t>FASTQC (http://</a:t>
+            </a:r>
+            <a:r>
+              <a:rPr lang="fr-FR" dirty="0" err="1"/>
+              <a:t>www.bioinformatics.babraham.ac.uk</a:t>
+            </a:r>
+            <a:r>
+              <a:rPr lang="fr-FR" dirty="0"/>
+              <a:t>/</a:t>
+            </a:r>
+            <a:r>
+              <a:rPr lang="fr-FR" dirty="0" err="1"/>
+              <a:t>projects</a:t>
+            </a:r>
+            <a:r>
+              <a:rPr lang="fr-FR" dirty="0"/>
+              <a:t>/</a:t>
+            </a:r>
+            <a:r>
+              <a:rPr lang="fr-FR" dirty="0" err="1"/>
+              <a:t>fastqc</a:t>
+            </a:r>
+            <a:r>
+              <a:rPr lang="fr-FR" dirty="0" smtClean="0"/>
+              <a:t>/)</a:t>
+            </a:r>
+            <a:endParaRPr lang="fr-FR" dirty="0"/>
           </a:p>
         </p:txBody>
       </p:sp>
-      <p:sp>
-        <p:nvSpPr>
-          <p:cNvPr id="9" name="ZoneTexte 8"/>
-          <p:cNvSpPr txBox="1"/>
+      <p:pic>
+        <p:nvPicPr>
+          <p:cNvPr id="4" name="Image 3"/>
+          <p:cNvPicPr>
+            <a:picLocks noChangeAspect="1"/>
+          </p:cNvPicPr>
           <p:nvPr/>
-        </p:nvSpPr>
+        </p:nvPicPr>
+        <p:blipFill>
+          <a:blip r:embed="rId2"/>
+          <a:stretch>
+            <a:fillRect/>
+          </a:stretch>
+        </p:blipFill>
         <p:spPr>
           <a:xfrm>
-            <a:off x="2706928" y="4883030"/>
-            <a:ext cx="3142635" cy="707886"/>
+            <a:off x="1965304" y="3338585"/>
+            <a:ext cx="4592279" cy="3151919"/>
           </a:xfrm>
           <a:prstGeom prst="rect">
             <a:avLst/>
           </a:prstGeom>
-          <a:noFill/>
-          <a:ln w="57150" cmpd="sng">
-            <a:solidFill>
-              <a:schemeClr val="tx2"/>
-            </a:solidFill>
-          </a:ln>
         </p:spPr>
-        <p:txBody>
-          <a:bodyPr wrap="square" rtlCol="0">
-            <a:spAutoFit/>
-          </a:bodyPr>
-          <a:lstStyle/>
-          <a:p>
-            <a:pPr algn="ctr"/>
-            <a:r>
-              <a:rPr lang="fr-FR" sz="4000" spc="-100" dirty="0" smtClean="0">
-                <a:solidFill>
-                  <a:schemeClr val="tx2"/>
-                </a:solidFill>
-                <a:latin typeface="+mj-lt"/>
-                <a:ea typeface="+mj-ea"/>
-                <a:cs typeface="+mj-cs"/>
-              </a:rPr>
-              <a:t>Quantification</a:t>
-            </a:r>
-            <a:endParaRPr lang="fr-FR" sz="4000" spc="-100" dirty="0">
-              <a:solidFill>
-                <a:schemeClr val="tx2"/>
-              </a:solidFill>
-              <a:latin typeface="+mj-lt"/>
-              <a:ea typeface="+mj-ea"/>
-              <a:cs typeface="+mj-cs"/>
-            </a:endParaRPr>
-          </a:p>
-        </p:txBody>
-      </p:sp>
+      </p:pic>
     </p:spTree>
     <p:extLst>
       <p:ext uri="{BB962C8B-B14F-4D97-AF65-F5344CB8AC3E}">
-        <p14:creationId xmlns:p14="http://schemas.microsoft.com/office/powerpoint/2010/main" val="3303078081"/>
+        <p14:creationId xmlns:p14="http://schemas.microsoft.com/office/powerpoint/2010/main" val="3687102784"/>
       </p:ext>
     </p:extLst>
   </p:cSld>
@@ -6975,203 +7086,6 @@
               </a:rPr>
               <a:t>Control QC</a:t>
             </a:r>
-            <a:endParaRPr lang="fr-FR" sz="4000" spc="-100" dirty="0">
-              <a:solidFill>
-                <a:schemeClr val="tx2"/>
-              </a:solidFill>
-              <a:latin typeface="+mj-lt"/>
-              <a:ea typeface="+mj-ea"/>
-              <a:cs typeface="+mj-cs"/>
-            </a:endParaRPr>
-          </a:p>
-        </p:txBody>
-      </p:sp>
-      <p:sp>
-        <p:nvSpPr>
-          <p:cNvPr id="3" name="ZoneTexte 2"/>
-          <p:cNvSpPr txBox="1"/>
-          <p:nvPr/>
-        </p:nvSpPr>
-        <p:spPr>
-          <a:xfrm>
-            <a:off x="852869" y="2873917"/>
-            <a:ext cx="7148111" cy="369332"/>
-          </a:xfrm>
-          <a:prstGeom prst="rect">
-            <a:avLst/>
-          </a:prstGeom>
-          <a:noFill/>
-        </p:spPr>
-        <p:txBody>
-          <a:bodyPr wrap="none" rtlCol="0">
-            <a:spAutoFit/>
-          </a:bodyPr>
-          <a:lstStyle/>
-          <a:p>
-            <a:r>
-              <a:rPr lang="fr-FR" dirty="0"/>
-              <a:t>FASTQC (http://</a:t>
-            </a:r>
-            <a:r>
-              <a:rPr lang="fr-FR" dirty="0" err="1"/>
-              <a:t>www.bioinformatics.babraham.ac.uk</a:t>
-            </a:r>
-            <a:r>
-              <a:rPr lang="fr-FR" dirty="0"/>
-              <a:t>/</a:t>
-            </a:r>
-            <a:r>
-              <a:rPr lang="fr-FR" dirty="0" err="1"/>
-              <a:t>projects</a:t>
-            </a:r>
-            <a:r>
-              <a:rPr lang="fr-FR" dirty="0"/>
-              <a:t>/</a:t>
-            </a:r>
-            <a:r>
-              <a:rPr lang="fr-FR" dirty="0" err="1"/>
-              <a:t>fastqc</a:t>
-            </a:r>
-            <a:r>
-              <a:rPr lang="fr-FR" dirty="0" smtClean="0"/>
-              <a:t>/)</a:t>
-            </a:r>
-            <a:endParaRPr lang="fr-FR" dirty="0"/>
-          </a:p>
-        </p:txBody>
-      </p:sp>
-      <p:pic>
-        <p:nvPicPr>
-          <p:cNvPr id="4" name="Image 3"/>
-          <p:cNvPicPr>
-            <a:picLocks noChangeAspect="1"/>
-          </p:cNvPicPr>
-          <p:nvPr/>
-        </p:nvPicPr>
-        <p:blipFill>
-          <a:blip r:embed="rId2"/>
-          <a:stretch>
-            <a:fillRect/>
-          </a:stretch>
-        </p:blipFill>
-        <p:spPr>
-          <a:xfrm>
-            <a:off x="1965304" y="3338585"/>
-            <a:ext cx="4592279" cy="3151919"/>
-          </a:xfrm>
-          <a:prstGeom prst="rect">
-            <a:avLst/>
-          </a:prstGeom>
-        </p:spPr>
-      </p:pic>
-    </p:spTree>
-    <p:extLst>
-      <p:ext uri="{BB962C8B-B14F-4D97-AF65-F5344CB8AC3E}">
-        <p14:creationId xmlns:p14="http://schemas.microsoft.com/office/powerpoint/2010/main" val="3687102784"/>
-      </p:ext>
-    </p:extLst>
-  </p:cSld>
-  <p:clrMapOvr>
-    <a:masterClrMapping/>
-  </p:clrMapOvr>
-</p:sld>
-</file>
-
-<file path=ppt/slides/slide18.xml><?xml version="1.0" encoding="utf-8"?>
-<p:sld xmlns:a="http://schemas.openxmlformats.org/drawingml/2006/main" xmlns:r="http://schemas.openxmlformats.org/officeDocument/2006/relationships" xmlns:p="http://schemas.openxmlformats.org/presentationml/2006/main">
-  <p:cSld>
-    <p:spTree>
-      <p:nvGrpSpPr>
-        <p:cNvPr id="1" name=""/>
-        <p:cNvGrpSpPr/>
-        <p:nvPr/>
-      </p:nvGrpSpPr>
-      <p:grpSpPr>
-        <a:xfrm>
-          <a:off x="0" y="0"/>
-          <a:ext cx="0" cy="0"/>
-          <a:chOff x="0" y="0"/>
-          <a:chExt cx="0" cy="0"/>
-        </a:xfrm>
-      </p:grpSpPr>
-      <p:sp>
-        <p:nvSpPr>
-          <p:cNvPr id="2" name="Titre 1"/>
-          <p:cNvSpPr>
-            <a:spLocks noGrp="1"/>
-          </p:cNvSpPr>
-          <p:nvPr>
-            <p:ph type="title"/>
-          </p:nvPr>
-        </p:nvSpPr>
-        <p:spPr/>
-        <p:txBody>
-          <a:bodyPr/>
-          <a:lstStyle/>
-          <a:p>
-            <a:r>
-              <a:rPr lang="fr-FR" dirty="0" smtClean="0"/>
-              <a:t>Pré-</a:t>
-            </a:r>
-            <a:r>
-              <a:rPr lang="fr-FR" dirty="0" err="1" smtClean="0"/>
-              <a:t>processing</a:t>
-            </a:r>
-            <a:r>
-              <a:rPr lang="fr-FR" dirty="0" smtClean="0"/>
-              <a:t> des données</a:t>
-            </a:r>
-            <a:endParaRPr lang="fr-FR" dirty="0"/>
-          </a:p>
-        </p:txBody>
-      </p:sp>
-      <p:sp>
-        <p:nvSpPr>
-          <p:cNvPr id="5" name="ZoneTexte 4"/>
-          <p:cNvSpPr txBox="1"/>
-          <p:nvPr/>
-        </p:nvSpPr>
-        <p:spPr>
-          <a:xfrm>
-            <a:off x="2706928" y="2010246"/>
-            <a:ext cx="3142635" cy="707886"/>
-          </a:xfrm>
-          <a:prstGeom prst="rect">
-            <a:avLst/>
-          </a:prstGeom>
-          <a:noFill/>
-          <a:ln w="57150" cmpd="sng">
-            <a:solidFill>
-              <a:schemeClr val="tx2"/>
-            </a:solidFill>
-          </a:ln>
-        </p:spPr>
-        <p:txBody>
-          <a:bodyPr wrap="square" rtlCol="0">
-            <a:spAutoFit/>
-          </a:bodyPr>
-          <a:lstStyle/>
-          <a:p>
-            <a:pPr algn="ctr"/>
-            <a:r>
-              <a:rPr lang="fr-FR" sz="4000" spc="-100" dirty="0">
-                <a:solidFill>
-                  <a:schemeClr val="tx2"/>
-                </a:solidFill>
-                <a:latin typeface="+mj-lt"/>
-                <a:ea typeface="+mj-ea"/>
-                <a:cs typeface="+mj-cs"/>
-              </a:rPr>
-              <a:t>Control QC</a:t>
-            </a:r>
-            <a:endParaRPr lang="fr-FR" sz="4000" spc="-100" dirty="0">
-              <a:solidFill>
-                <a:schemeClr val="tx2"/>
-              </a:solidFill>
-              <a:latin typeface="+mj-lt"/>
-              <a:ea typeface="+mj-ea"/>
-              <a:cs typeface="+mj-cs"/>
-            </a:endParaRPr>
           </a:p>
         </p:txBody>
       </p:sp>
@@ -7259,7 +7173,7 @@
 </p:sld>
 </file>
 
-<file path=ppt/slides/slide19.xml><?xml version="1.0" encoding="utf-8"?>
+<file path=ppt/slides/slide18.xml><?xml version="1.0" encoding="utf-8"?>
 <p:sld xmlns:a="http://schemas.openxmlformats.org/drawingml/2006/main" xmlns:r="http://schemas.openxmlformats.org/officeDocument/2006/relationships" xmlns:p="http://schemas.openxmlformats.org/presentationml/2006/main">
   <p:cSld>
     <p:spTree>
@@ -7410,6 +7324,203 @@
 </p:sld>
 </file>
 
+<file path=ppt/slides/slide19.xml><?xml version="1.0" encoding="utf-8"?>
+<p:sld xmlns:a="http://schemas.openxmlformats.org/drawingml/2006/main" xmlns:r="http://schemas.openxmlformats.org/officeDocument/2006/relationships" xmlns:p="http://schemas.openxmlformats.org/presentationml/2006/main">
+  <p:cSld>
+    <p:spTree>
+      <p:nvGrpSpPr>
+        <p:cNvPr id="1" name=""/>
+        <p:cNvGrpSpPr/>
+        <p:nvPr/>
+      </p:nvGrpSpPr>
+      <p:grpSpPr>
+        <a:xfrm>
+          <a:off x="0" y="0"/>
+          <a:ext cx="0" cy="0"/>
+          <a:chOff x="0" y="0"/>
+          <a:chExt cx="0" cy="0"/>
+        </a:xfrm>
+      </p:grpSpPr>
+      <p:sp>
+        <p:nvSpPr>
+          <p:cNvPr id="4" name="Rectangle 3"/>
+          <p:cNvSpPr/>
+          <p:nvPr/>
+        </p:nvSpPr>
+        <p:spPr>
+          <a:xfrm>
+            <a:off x="2446629" y="2727403"/>
+            <a:ext cx="3623145" cy="646331"/>
+          </a:xfrm>
+          <a:prstGeom prst="rect">
+            <a:avLst/>
+          </a:prstGeom>
+        </p:spPr>
+        <p:txBody>
+          <a:bodyPr wrap="none">
+            <a:spAutoFit/>
+          </a:bodyPr>
+          <a:lstStyle/>
+          <a:p>
+            <a:pPr algn="ctr"/>
+            <a:r>
+              <a:rPr lang="fr-FR" dirty="0" smtClean="0"/>
+              <a:t>RSEM</a:t>
+            </a:r>
+          </a:p>
+          <a:p>
+            <a:pPr algn="ctr"/>
+            <a:r>
+              <a:rPr lang="fr-FR" dirty="0"/>
+              <a:t>(</a:t>
+            </a:r>
+            <a:r>
+              <a:rPr lang="fr-FR" dirty="0" smtClean="0"/>
+              <a:t>http</a:t>
+            </a:r>
+            <a:r>
+              <a:rPr lang="fr-FR" dirty="0"/>
+              <a:t>://</a:t>
+            </a:r>
+            <a:r>
+              <a:rPr lang="fr-FR" dirty="0" err="1"/>
+              <a:t>deweylab.github.io</a:t>
+            </a:r>
+            <a:r>
+              <a:rPr lang="fr-FR" dirty="0"/>
+              <a:t>/RSEM</a:t>
+            </a:r>
+            <a:r>
+              <a:rPr lang="fr-FR" dirty="0" smtClean="0"/>
+              <a:t>/)</a:t>
+            </a:r>
+            <a:endParaRPr lang="fr-FR" dirty="0"/>
+          </a:p>
+        </p:txBody>
+      </p:sp>
+      <p:sp>
+        <p:nvSpPr>
+          <p:cNvPr id="5" name="ZoneTexte 4"/>
+          <p:cNvSpPr txBox="1"/>
+          <p:nvPr/>
+        </p:nvSpPr>
+        <p:spPr>
+          <a:xfrm>
+            <a:off x="2706928" y="2010246"/>
+            <a:ext cx="3142635" cy="707886"/>
+          </a:xfrm>
+          <a:prstGeom prst="rect">
+            <a:avLst/>
+          </a:prstGeom>
+          <a:noFill/>
+          <a:ln w="57150" cmpd="sng">
+            <a:solidFill>
+              <a:schemeClr val="tx2"/>
+            </a:solidFill>
+          </a:ln>
+        </p:spPr>
+        <p:txBody>
+          <a:bodyPr wrap="square" rtlCol="0">
+            <a:spAutoFit/>
+          </a:bodyPr>
+          <a:lstStyle/>
+          <a:p>
+            <a:pPr algn="ctr"/>
+            <a:r>
+              <a:rPr lang="fr-FR" sz="4000" spc="-100" dirty="0" smtClean="0">
+                <a:solidFill>
+                  <a:schemeClr val="tx2"/>
+                </a:solidFill>
+                <a:latin typeface="+mj-lt"/>
+                <a:ea typeface="+mj-ea"/>
+                <a:cs typeface="+mj-cs"/>
+              </a:rPr>
+              <a:t>Quantification</a:t>
+            </a:r>
+            <a:endParaRPr lang="fr-FR" sz="4000" spc="-100" dirty="0">
+              <a:solidFill>
+                <a:schemeClr val="tx2"/>
+              </a:solidFill>
+              <a:latin typeface="+mj-lt"/>
+              <a:ea typeface="+mj-ea"/>
+              <a:cs typeface="+mj-cs"/>
+            </a:endParaRPr>
+          </a:p>
+        </p:txBody>
+      </p:sp>
+      <p:sp>
+        <p:nvSpPr>
+          <p:cNvPr id="6" name="Titre 1"/>
+          <p:cNvSpPr>
+            <a:spLocks noGrp="1"/>
+          </p:cNvSpPr>
+          <p:nvPr>
+            <p:ph type="title"/>
+          </p:nvPr>
+        </p:nvSpPr>
+        <p:spPr>
+          <a:xfrm>
+            <a:off x="457200" y="533400"/>
+            <a:ext cx="8229600" cy="990600"/>
+          </a:xfrm>
+        </p:spPr>
+        <p:txBody>
+          <a:bodyPr/>
+          <a:lstStyle/>
+          <a:p>
+            <a:r>
+              <a:rPr lang="fr-FR" dirty="0" smtClean="0"/>
+              <a:t>Pré-</a:t>
+            </a:r>
+            <a:r>
+              <a:rPr lang="fr-FR" dirty="0" err="1" smtClean="0"/>
+              <a:t>processing</a:t>
+            </a:r>
+            <a:r>
+              <a:rPr lang="fr-FR" dirty="0" smtClean="0"/>
+              <a:t> des données</a:t>
+            </a:r>
+            <a:endParaRPr lang="fr-FR" dirty="0"/>
+          </a:p>
+        </p:txBody>
+      </p:sp>
+      <p:pic>
+        <p:nvPicPr>
+          <p:cNvPr id="7" name="Image 6"/>
+          <p:cNvPicPr>
+            <a:picLocks noChangeAspect="1"/>
+          </p:cNvPicPr>
+          <p:nvPr/>
+        </p:nvPicPr>
+        <p:blipFill>
+          <a:blip r:embed="rId3"/>
+          <a:stretch>
+            <a:fillRect/>
+          </a:stretch>
+        </p:blipFill>
+        <p:spPr>
+          <a:xfrm>
+            <a:off x="0" y="3721564"/>
+            <a:ext cx="9144000" cy="2145844"/>
+          </a:xfrm>
+          <a:prstGeom prst="rect">
+            <a:avLst/>
+          </a:prstGeom>
+        </p:spPr>
+      </p:pic>
+    </p:spTree>
+    <p:extLst>
+      <p:ext uri="{BB962C8B-B14F-4D97-AF65-F5344CB8AC3E}">
+        <p14:creationId xmlns:p14="http://schemas.microsoft.com/office/powerpoint/2010/main" val="3087267715"/>
+      </p:ext>
+    </p:extLst>
+  </p:cSld>
+  <p:clrMapOvr>
+    <a:masterClrMapping/>
+  </p:clrMapOvr>
+</p:sld>
+</file>
+
 <file path=ppt/slides/slide2.xml><?xml version="1.0" encoding="utf-8"?>
 <p:sld xmlns:a="http://schemas.openxmlformats.org/drawingml/2006/main" xmlns:r="http://schemas.openxmlformats.org/officeDocument/2006/relationships" xmlns:p="http://schemas.openxmlformats.org/presentationml/2006/main">
   <p:cSld>
@@ -7570,7 +7681,7 @@
           <a:p>
             <a:pPr algn="ctr"/>
             <a:r>
-              <a:rPr lang="fr-FR" sz="4000" spc="-100" dirty="0" err="1" smtClean="0">
+              <a:rPr lang="fr-FR" sz="4000" spc="-100" dirty="0">
                 <a:solidFill>
                   <a:schemeClr val="tx2"/>
                 </a:solidFill>
@@ -7578,58 +7689,20 @@
                 <a:ea typeface="+mj-ea"/>
                 <a:cs typeface="+mj-cs"/>
               </a:rPr>
-              <a:t>Mapping</a:t>
-            </a:r>
-            <a:endParaRPr lang="fr-FR" sz="4000" spc="-100" dirty="0">
-              <a:solidFill>
-                <a:schemeClr val="tx2"/>
-              </a:solidFill>
-              <a:latin typeface="+mj-lt"/>
-              <a:ea typeface="+mj-ea"/>
-              <a:cs typeface="+mj-cs"/>
-            </a:endParaRPr>
+              <a:t>Control QC</a:t>
+            </a:r>
           </a:p>
         </p:txBody>
       </p:sp>
-      <p:pic>
-        <p:nvPicPr>
-          <p:cNvPr id="6" name="Image 5" descr="Capture d’écran 2016-11-21 à 21.33.36.png"/>
-          <p:cNvPicPr>
-            <a:picLocks noChangeAspect="1"/>
-          </p:cNvPicPr>
-          <p:nvPr/>
-        </p:nvPicPr>
-        <p:blipFill>
-          <a:blip r:embed="rId2">
-            <a:extLst>
-              <a:ext uri="{28A0092B-C50C-407E-A947-70E740481C1C}">
-                <a14:useLocalDpi xmlns:a14="http://schemas.microsoft.com/office/drawing/2010/main" val="0"/>
-              </a:ext>
-            </a:extLst>
-          </a:blip>
-          <a:stretch>
-            <a:fillRect/>
-          </a:stretch>
-        </p:blipFill>
-        <p:spPr>
-          <a:xfrm>
-            <a:off x="0" y="380366"/>
-            <a:ext cx="9144000" cy="5784383"/>
-          </a:xfrm>
-          <a:prstGeom prst="rect">
-            <a:avLst/>
-          </a:prstGeom>
-        </p:spPr>
-      </p:pic>
       <p:sp>
         <p:nvSpPr>
-          <p:cNvPr id="7" name="ZoneTexte 6"/>
+          <p:cNvPr id="8" name="ZoneTexte 7"/>
           <p:cNvSpPr txBox="1"/>
           <p:nvPr/>
         </p:nvSpPr>
         <p:spPr>
           <a:xfrm>
-            <a:off x="3096281" y="6150114"/>
+            <a:off x="2706928" y="3452930"/>
             <a:ext cx="3142635" cy="707886"/>
           </a:xfrm>
           <a:prstGeom prst="rect">
@@ -7650,7 +7723,7 @@
           <a:p>
             <a:pPr algn="ctr"/>
             <a:r>
-              <a:rPr lang="fr-FR" sz="4000" spc="-100" dirty="0" smtClean="0">
+              <a:rPr lang="fr-FR" sz="4000" spc="-100" dirty="0" err="1" smtClean="0">
                 <a:solidFill>
                   <a:schemeClr val="tx2"/>
                 </a:solidFill>
@@ -7658,7 +7731,7 @@
                 <a:ea typeface="+mj-ea"/>
                 <a:cs typeface="+mj-cs"/>
               </a:rPr>
-              <a:t>Quantification</a:t>
+              <a:t>Mapping</a:t>
             </a:r>
             <a:endParaRPr lang="fr-FR" sz="4000" spc="-100" dirty="0">
               <a:solidFill>
@@ -7671,10 +7744,177 @@
           </a:p>
         </p:txBody>
       </p:sp>
+      <p:sp>
+        <p:nvSpPr>
+          <p:cNvPr id="9" name="ZoneTexte 8"/>
+          <p:cNvSpPr txBox="1"/>
+          <p:nvPr/>
+        </p:nvSpPr>
+        <p:spPr>
+          <a:xfrm>
+            <a:off x="2706928" y="4883030"/>
+            <a:ext cx="3142635" cy="707886"/>
+          </a:xfrm>
+          <a:prstGeom prst="rect">
+            <a:avLst/>
+          </a:prstGeom>
+          <a:noFill/>
+          <a:ln w="57150" cmpd="sng">
+            <a:solidFill>
+              <a:schemeClr val="tx2"/>
+            </a:solidFill>
+          </a:ln>
+        </p:spPr>
+        <p:txBody>
+          <a:bodyPr wrap="square" rtlCol="0">
+            <a:spAutoFit/>
+          </a:bodyPr>
+          <a:lstStyle/>
+          <a:p>
+            <a:pPr algn="ctr"/>
+            <a:r>
+              <a:rPr lang="fr-FR" sz="4000" spc="-100" dirty="0" smtClean="0">
+                <a:solidFill>
+                  <a:schemeClr val="tx2"/>
+                </a:solidFill>
+                <a:latin typeface="+mj-lt"/>
+                <a:ea typeface="+mj-ea"/>
+                <a:cs typeface="+mj-cs"/>
+              </a:rPr>
+              <a:t>Quantification</a:t>
+            </a:r>
+            <a:endParaRPr lang="fr-FR" sz="4000" spc="-100" dirty="0">
+              <a:solidFill>
+                <a:schemeClr val="tx2"/>
+              </a:solidFill>
+              <a:latin typeface="+mj-lt"/>
+              <a:ea typeface="+mj-ea"/>
+              <a:cs typeface="+mj-cs"/>
+            </a:endParaRPr>
+          </a:p>
+        </p:txBody>
+      </p:sp>
+      <p:sp>
+        <p:nvSpPr>
+          <p:cNvPr id="6" name="ZoneTexte 5"/>
+          <p:cNvSpPr txBox="1"/>
+          <p:nvPr/>
+        </p:nvSpPr>
+        <p:spPr>
+          <a:xfrm>
+            <a:off x="2706928" y="5974553"/>
+            <a:ext cx="3142635" cy="707886"/>
+          </a:xfrm>
+          <a:prstGeom prst="rect">
+            <a:avLst/>
+          </a:prstGeom>
+          <a:noFill/>
+          <a:ln w="57150" cmpd="sng">
+            <a:solidFill>
+              <a:schemeClr val="tx2"/>
+            </a:solidFill>
+          </a:ln>
+        </p:spPr>
+        <p:txBody>
+          <a:bodyPr wrap="square" rtlCol="0">
+            <a:spAutoFit/>
+          </a:bodyPr>
+          <a:lstStyle/>
+          <a:p>
+            <a:pPr algn="ctr"/>
+            <a:r>
+              <a:rPr lang="fr-FR" sz="4000" spc="-100" dirty="0" smtClean="0">
+                <a:solidFill>
+                  <a:schemeClr val="tx2"/>
+                </a:solidFill>
+                <a:latin typeface="+mj-lt"/>
+                <a:ea typeface="+mj-ea"/>
+                <a:cs typeface="+mj-cs"/>
+              </a:rPr>
+              <a:t>Application</a:t>
+            </a:r>
+            <a:endParaRPr lang="fr-FR" sz="4000" spc="-100" dirty="0">
+              <a:solidFill>
+                <a:schemeClr val="tx2"/>
+              </a:solidFill>
+              <a:latin typeface="+mj-lt"/>
+              <a:ea typeface="+mj-ea"/>
+              <a:cs typeface="+mj-cs"/>
+            </a:endParaRPr>
+          </a:p>
+        </p:txBody>
+      </p:sp>
+      <p:sp>
+        <p:nvSpPr>
+          <p:cNvPr id="3" name="ZoneTexte 2"/>
+          <p:cNvSpPr txBox="1"/>
+          <p:nvPr/>
+        </p:nvSpPr>
+        <p:spPr>
+          <a:xfrm>
+            <a:off x="7032404" y="4187442"/>
+            <a:ext cx="851578" cy="369332"/>
+          </a:xfrm>
+          <a:prstGeom prst="rect">
+            <a:avLst/>
+          </a:prstGeom>
+          <a:noFill/>
+        </p:spPr>
+        <p:txBody>
+          <a:bodyPr wrap="none" rtlCol="0">
+            <a:spAutoFit/>
+          </a:bodyPr>
+          <a:lstStyle/>
+          <a:p>
+            <a:r>
+              <a:rPr lang="fr-FR" dirty="0" smtClean="0"/>
+              <a:t>RSEM</a:t>
+            </a:r>
+            <a:endParaRPr lang="fr-FR" dirty="0"/>
+          </a:p>
+        </p:txBody>
+      </p:sp>
+      <p:sp>
+        <p:nvSpPr>
+          <p:cNvPr id="10" name="ZoneTexte 9"/>
+          <p:cNvSpPr txBox="1"/>
+          <p:nvPr/>
+        </p:nvSpPr>
+        <p:spPr>
+          <a:xfrm>
+            <a:off x="6765581" y="2091828"/>
+            <a:ext cx="1509698" cy="646331"/>
+          </a:xfrm>
+          <a:prstGeom prst="rect">
+            <a:avLst/>
+          </a:prstGeom>
+          <a:noFill/>
+        </p:spPr>
+        <p:txBody>
+          <a:bodyPr wrap="none" rtlCol="0">
+            <a:spAutoFit/>
+          </a:bodyPr>
+          <a:lstStyle/>
+          <a:p>
+            <a:r>
+              <a:rPr lang="fr-FR" dirty="0" err="1" smtClean="0"/>
+              <a:t>FastQC</a:t>
+            </a:r>
+            <a:endParaRPr lang="fr-FR" dirty="0" smtClean="0"/>
+          </a:p>
+          <a:p>
+            <a:r>
+              <a:rPr lang="fr-FR" dirty="0" err="1" smtClean="0"/>
+              <a:t>Trimmomatic</a:t>
+            </a:r>
+            <a:endParaRPr lang="fr-FR" dirty="0"/>
+          </a:p>
+        </p:txBody>
+      </p:sp>
     </p:spTree>
     <p:extLst>
       <p:ext uri="{BB962C8B-B14F-4D97-AF65-F5344CB8AC3E}">
-        <p14:creationId xmlns:p14="http://schemas.microsoft.com/office/powerpoint/2010/main" val="1336816963"/>
+        <p14:creationId xmlns:p14="http://schemas.microsoft.com/office/powerpoint/2010/main" val="137075512"/>
       </p:ext>
     </p:extLst>
   </p:cSld>
@@ -7703,442 +7943,40 @@
       </p:grpSpPr>
       <p:pic>
         <p:nvPicPr>
-          <p:cNvPr id="5" name="Image 4" descr="Capture d’écran 2016-11-21 à 21.37.45.png"/>
+          <p:cNvPr id="5" name="Image 4"/>
           <p:cNvPicPr>
             <a:picLocks noChangeAspect="1"/>
           </p:cNvPicPr>
           <p:nvPr/>
         </p:nvPicPr>
         <p:blipFill>
-          <a:blip r:embed="rId2">
-            <a:extLst>
-              <a:ext uri="{28A0092B-C50C-407E-A947-70E740481C1C}">
-                <a14:useLocalDpi xmlns:a14="http://schemas.microsoft.com/office/drawing/2010/main" val="0"/>
-              </a:ext>
-            </a:extLst>
-          </a:blip>
+          <a:blip r:embed="rId2"/>
           <a:stretch>
             <a:fillRect/>
           </a:stretch>
         </p:blipFill>
         <p:spPr>
           <a:xfrm>
-            <a:off x="1242221" y="758414"/>
-            <a:ext cx="6531819" cy="6016149"/>
+            <a:off x="395536" y="873900"/>
+            <a:ext cx="8316416" cy="4780828"/>
           </a:xfrm>
           <a:prstGeom prst="rect">
             <a:avLst/>
           </a:prstGeom>
+          <a:ln>
+            <a:solidFill>
+              <a:schemeClr val="tx1"/>
+            </a:solidFill>
+          </a:ln>
+          <a:effectLst>
+            <a:outerShdw blurRad="50800" dist="38100" dir="2700000" algn="tl" rotWithShape="0">
+              <a:srgbClr val="000000">
+                <a:alpha val="43000"/>
+              </a:srgbClr>
+            </a:outerShdw>
+          </a:effectLst>
         </p:spPr>
       </p:pic>
-    </p:spTree>
-    <p:extLst>
-      <p:ext uri="{BB962C8B-B14F-4D97-AF65-F5344CB8AC3E}">
-        <p14:creationId xmlns:p14="http://schemas.microsoft.com/office/powerpoint/2010/main" val="3720728605"/>
-      </p:ext>
-    </p:extLst>
-  </p:cSld>
-  <p:clrMapOvr>
-    <a:masterClrMapping/>
-  </p:clrMapOvr>
-</p:sld>
-</file>
-
-<file path=ppt/slides/slide22.xml><?xml version="1.0" encoding="utf-8"?>
-<p:sld xmlns:a="http://schemas.openxmlformats.org/drawingml/2006/main" xmlns:r="http://schemas.openxmlformats.org/officeDocument/2006/relationships" xmlns:p="http://schemas.openxmlformats.org/presentationml/2006/main">
-  <p:cSld>
-    <p:spTree>
-      <p:nvGrpSpPr>
-        <p:cNvPr id="1" name=""/>
-        <p:cNvGrpSpPr/>
-        <p:nvPr/>
-      </p:nvGrpSpPr>
-      <p:grpSpPr>
-        <a:xfrm>
-          <a:off x="0" y="0"/>
-          <a:ext cx="0" cy="0"/>
-          <a:chOff x="0" y="0"/>
-          <a:chExt cx="0" cy="0"/>
-        </a:xfrm>
-      </p:grpSpPr>
-      <p:sp>
-        <p:nvSpPr>
-          <p:cNvPr id="4" name="Rectangle 3"/>
-          <p:cNvSpPr/>
-          <p:nvPr/>
-        </p:nvSpPr>
-        <p:spPr>
-          <a:xfrm>
-            <a:off x="2446629" y="2727403"/>
-            <a:ext cx="3623145" cy="646331"/>
-          </a:xfrm>
-          <a:prstGeom prst="rect">
-            <a:avLst/>
-          </a:prstGeom>
-        </p:spPr>
-        <p:txBody>
-          <a:bodyPr wrap="none">
-            <a:spAutoFit/>
-          </a:bodyPr>
-          <a:lstStyle/>
-          <a:p>
-            <a:pPr algn="ctr"/>
-            <a:r>
-              <a:rPr lang="fr-FR" dirty="0" smtClean="0"/>
-              <a:t>RSEM</a:t>
-            </a:r>
-          </a:p>
-          <a:p>
-            <a:pPr algn="ctr"/>
-            <a:r>
-              <a:rPr lang="fr-FR" dirty="0"/>
-              <a:t>(</a:t>
-            </a:r>
-            <a:r>
-              <a:rPr lang="fr-FR" dirty="0" smtClean="0"/>
-              <a:t>http</a:t>
-            </a:r>
-            <a:r>
-              <a:rPr lang="fr-FR" dirty="0"/>
-              <a:t>://</a:t>
-            </a:r>
-            <a:r>
-              <a:rPr lang="fr-FR" dirty="0" err="1"/>
-              <a:t>deweylab.github.io</a:t>
-            </a:r>
-            <a:r>
-              <a:rPr lang="fr-FR" dirty="0"/>
-              <a:t>/RSEM</a:t>
-            </a:r>
-            <a:r>
-              <a:rPr lang="fr-FR" dirty="0" smtClean="0"/>
-              <a:t>/)</a:t>
-            </a:r>
-            <a:endParaRPr lang="fr-FR" dirty="0"/>
-          </a:p>
-        </p:txBody>
-      </p:sp>
-      <p:sp>
-        <p:nvSpPr>
-          <p:cNvPr id="5" name="ZoneTexte 4"/>
-          <p:cNvSpPr txBox="1"/>
-          <p:nvPr/>
-        </p:nvSpPr>
-        <p:spPr>
-          <a:xfrm>
-            <a:off x="2706928" y="2010246"/>
-            <a:ext cx="3142635" cy="707886"/>
-          </a:xfrm>
-          <a:prstGeom prst="rect">
-            <a:avLst/>
-          </a:prstGeom>
-          <a:noFill/>
-          <a:ln w="57150" cmpd="sng">
-            <a:solidFill>
-              <a:schemeClr val="tx2"/>
-            </a:solidFill>
-          </a:ln>
-        </p:spPr>
-        <p:txBody>
-          <a:bodyPr wrap="square" rtlCol="0">
-            <a:spAutoFit/>
-          </a:bodyPr>
-          <a:lstStyle/>
-          <a:p>
-            <a:pPr algn="ctr"/>
-            <a:r>
-              <a:rPr lang="fr-FR" sz="4000" spc="-100" dirty="0" smtClean="0">
-                <a:solidFill>
-                  <a:schemeClr val="tx2"/>
-                </a:solidFill>
-                <a:latin typeface="+mj-lt"/>
-                <a:ea typeface="+mj-ea"/>
-                <a:cs typeface="+mj-cs"/>
-              </a:rPr>
-              <a:t>Quantification</a:t>
-            </a:r>
-            <a:endParaRPr lang="fr-FR" sz="4000" spc="-100" dirty="0">
-              <a:solidFill>
-                <a:schemeClr val="tx2"/>
-              </a:solidFill>
-              <a:latin typeface="+mj-lt"/>
-              <a:ea typeface="+mj-ea"/>
-              <a:cs typeface="+mj-cs"/>
-            </a:endParaRPr>
-          </a:p>
-        </p:txBody>
-      </p:sp>
-      <p:sp>
-        <p:nvSpPr>
-          <p:cNvPr id="6" name="Titre 1"/>
-          <p:cNvSpPr>
-            <a:spLocks noGrp="1"/>
-          </p:cNvSpPr>
-          <p:nvPr>
-            <p:ph type="title"/>
-          </p:nvPr>
-        </p:nvSpPr>
-        <p:spPr>
-          <a:xfrm>
-            <a:off x="457200" y="533400"/>
-            <a:ext cx="8229600" cy="990600"/>
-          </a:xfrm>
-        </p:spPr>
-        <p:txBody>
-          <a:bodyPr/>
-          <a:lstStyle/>
-          <a:p>
-            <a:r>
-              <a:rPr lang="fr-FR" dirty="0" smtClean="0"/>
-              <a:t>Pré-</a:t>
-            </a:r>
-            <a:r>
-              <a:rPr lang="fr-FR" dirty="0" err="1" smtClean="0"/>
-              <a:t>processing</a:t>
-            </a:r>
-            <a:r>
-              <a:rPr lang="fr-FR" dirty="0" smtClean="0"/>
-              <a:t> des données</a:t>
-            </a:r>
-            <a:endParaRPr lang="fr-FR" dirty="0"/>
-          </a:p>
-        </p:txBody>
-      </p:sp>
-      <p:pic>
-        <p:nvPicPr>
-          <p:cNvPr id="7" name="Image 6"/>
-          <p:cNvPicPr>
-            <a:picLocks noChangeAspect="1"/>
-          </p:cNvPicPr>
-          <p:nvPr/>
-        </p:nvPicPr>
-        <p:blipFill>
-          <a:blip r:embed="rId3"/>
-          <a:stretch>
-            <a:fillRect/>
-          </a:stretch>
-        </p:blipFill>
-        <p:spPr>
-          <a:xfrm>
-            <a:off x="0" y="3721564"/>
-            <a:ext cx="9144000" cy="2145844"/>
-          </a:xfrm>
-          <a:prstGeom prst="rect">
-            <a:avLst/>
-          </a:prstGeom>
-        </p:spPr>
-      </p:pic>
-    </p:spTree>
-    <p:extLst>
-      <p:ext uri="{BB962C8B-B14F-4D97-AF65-F5344CB8AC3E}">
-        <p14:creationId xmlns:p14="http://schemas.microsoft.com/office/powerpoint/2010/main" val="3087267715"/>
-      </p:ext>
-    </p:extLst>
-  </p:cSld>
-  <p:clrMapOvr>
-    <a:masterClrMapping/>
-  </p:clrMapOvr>
-</p:sld>
-</file>
-
-<file path=ppt/slides/slide23.xml><?xml version="1.0" encoding="utf-8"?>
-<p:sld xmlns:a="http://schemas.openxmlformats.org/drawingml/2006/main" xmlns:r="http://schemas.openxmlformats.org/officeDocument/2006/relationships" xmlns:p="http://schemas.openxmlformats.org/presentationml/2006/main">
-  <p:cSld>
-    <p:spTree>
-      <p:nvGrpSpPr>
-        <p:cNvPr id="1" name=""/>
-        <p:cNvGrpSpPr/>
-        <p:nvPr/>
-      </p:nvGrpSpPr>
-      <p:grpSpPr>
-        <a:xfrm>
-          <a:off x="0" y="0"/>
-          <a:ext cx="0" cy="0"/>
-          <a:chOff x="0" y="0"/>
-          <a:chExt cx="0" cy="0"/>
-        </a:xfrm>
-      </p:grpSpPr>
-      <p:sp>
-        <p:nvSpPr>
-          <p:cNvPr id="2" name="Titre 1"/>
-          <p:cNvSpPr>
-            <a:spLocks noGrp="1"/>
-          </p:cNvSpPr>
-          <p:nvPr>
-            <p:ph type="title"/>
-          </p:nvPr>
-        </p:nvSpPr>
-        <p:spPr/>
-        <p:txBody>
-          <a:bodyPr/>
-          <a:lstStyle/>
-          <a:p>
-            <a:r>
-              <a:rPr lang="fr-FR" dirty="0" smtClean="0"/>
-              <a:t>Pré-</a:t>
-            </a:r>
-            <a:r>
-              <a:rPr lang="fr-FR" dirty="0" err="1" smtClean="0"/>
-              <a:t>processing</a:t>
-            </a:r>
-            <a:r>
-              <a:rPr lang="fr-FR" dirty="0" smtClean="0"/>
-              <a:t> des données</a:t>
-            </a:r>
-            <a:endParaRPr lang="fr-FR" dirty="0"/>
-          </a:p>
-        </p:txBody>
-      </p:sp>
-      <p:sp>
-        <p:nvSpPr>
-          <p:cNvPr id="5" name="ZoneTexte 4"/>
-          <p:cNvSpPr txBox="1"/>
-          <p:nvPr/>
-        </p:nvSpPr>
-        <p:spPr>
-          <a:xfrm>
-            <a:off x="2706928" y="2010246"/>
-            <a:ext cx="3142635" cy="707886"/>
-          </a:xfrm>
-          <a:prstGeom prst="rect">
-            <a:avLst/>
-          </a:prstGeom>
-          <a:noFill/>
-          <a:ln w="57150" cmpd="sng">
-            <a:solidFill>
-              <a:schemeClr val="tx2"/>
-            </a:solidFill>
-          </a:ln>
-        </p:spPr>
-        <p:txBody>
-          <a:bodyPr wrap="square" rtlCol="0">
-            <a:spAutoFit/>
-          </a:bodyPr>
-          <a:lstStyle/>
-          <a:p>
-            <a:pPr algn="ctr"/>
-            <a:r>
-              <a:rPr lang="fr-FR" sz="4000" spc="-100" dirty="0">
-                <a:solidFill>
-                  <a:schemeClr val="tx2"/>
-                </a:solidFill>
-                <a:latin typeface="+mj-lt"/>
-                <a:ea typeface="+mj-ea"/>
-                <a:cs typeface="+mj-cs"/>
-              </a:rPr>
-              <a:t>Control QC</a:t>
-            </a:r>
-            <a:endParaRPr lang="fr-FR" sz="4000" spc="-100" dirty="0">
-              <a:solidFill>
-                <a:schemeClr val="tx2"/>
-              </a:solidFill>
-              <a:latin typeface="+mj-lt"/>
-              <a:ea typeface="+mj-ea"/>
-              <a:cs typeface="+mj-cs"/>
-            </a:endParaRPr>
-          </a:p>
-        </p:txBody>
-      </p:sp>
-      <p:sp>
-        <p:nvSpPr>
-          <p:cNvPr id="8" name="ZoneTexte 7"/>
-          <p:cNvSpPr txBox="1"/>
-          <p:nvPr/>
-        </p:nvSpPr>
-        <p:spPr>
-          <a:xfrm>
-            <a:off x="2706928" y="3452930"/>
-            <a:ext cx="3142635" cy="707886"/>
-          </a:xfrm>
-          <a:prstGeom prst="rect">
-            <a:avLst/>
-          </a:prstGeom>
-          <a:noFill/>
-          <a:ln w="57150" cmpd="sng">
-            <a:solidFill>
-              <a:schemeClr val="tx2"/>
-            </a:solidFill>
-          </a:ln>
-        </p:spPr>
-        <p:txBody>
-          <a:bodyPr wrap="square" rtlCol="0">
-            <a:spAutoFit/>
-          </a:bodyPr>
-          <a:lstStyle/>
-          <a:p>
-            <a:pPr algn="ctr"/>
-            <a:r>
-              <a:rPr lang="fr-FR" sz="4000" spc="-100" dirty="0" err="1" smtClean="0">
-                <a:solidFill>
-                  <a:schemeClr val="tx2"/>
-                </a:solidFill>
-                <a:latin typeface="+mj-lt"/>
-                <a:ea typeface="+mj-ea"/>
-                <a:cs typeface="+mj-cs"/>
-              </a:rPr>
-              <a:t>Mapping</a:t>
-            </a:r>
-            <a:endParaRPr lang="fr-FR" sz="4000" spc="-100" dirty="0">
-              <a:solidFill>
-                <a:schemeClr val="tx2"/>
-              </a:solidFill>
-              <a:latin typeface="+mj-lt"/>
-              <a:ea typeface="+mj-ea"/>
-              <a:cs typeface="+mj-cs"/>
-            </a:endParaRPr>
-          </a:p>
-        </p:txBody>
-      </p:sp>
-      <p:sp>
-        <p:nvSpPr>
-          <p:cNvPr id="9" name="ZoneTexte 8"/>
-          <p:cNvSpPr txBox="1"/>
-          <p:nvPr/>
-        </p:nvSpPr>
-        <p:spPr>
-          <a:xfrm>
-            <a:off x="2706928" y="4883030"/>
-            <a:ext cx="3142635" cy="707886"/>
-          </a:xfrm>
-          <a:prstGeom prst="rect">
-            <a:avLst/>
-          </a:prstGeom>
-          <a:noFill/>
-          <a:ln w="57150" cmpd="sng">
-            <a:solidFill>
-              <a:schemeClr val="tx2"/>
-            </a:solidFill>
-          </a:ln>
-        </p:spPr>
-        <p:txBody>
-          <a:bodyPr wrap="square" rtlCol="0">
-            <a:spAutoFit/>
-          </a:bodyPr>
-          <a:lstStyle/>
-          <a:p>
-            <a:pPr algn="ctr"/>
-            <a:r>
-              <a:rPr lang="fr-FR" sz="4000" spc="-100" dirty="0" smtClean="0">
-                <a:solidFill>
-                  <a:schemeClr val="tx2"/>
-                </a:solidFill>
-                <a:latin typeface="+mj-lt"/>
-                <a:ea typeface="+mj-ea"/>
-                <a:cs typeface="+mj-cs"/>
-              </a:rPr>
-              <a:t>Quantification</a:t>
-            </a:r>
-            <a:endParaRPr lang="fr-FR" sz="4000" spc="-100" dirty="0">
-              <a:solidFill>
-                <a:schemeClr val="tx2"/>
-              </a:solidFill>
-              <a:latin typeface="+mj-lt"/>
-              <a:ea typeface="+mj-ea"/>
-              <a:cs typeface="+mj-cs"/>
-            </a:endParaRPr>
-          </a:p>
-        </p:txBody>
-      </p:sp>
       <p:sp>
         <p:nvSpPr>
           <p:cNvPr id="6" name="ZoneTexte 5"/>
@@ -8186,159 +8024,6 @@
               <a:ea typeface="+mj-ea"/>
               <a:cs typeface="+mj-cs"/>
             </a:endParaRPr>
-          </a:p>
-        </p:txBody>
-      </p:sp>
-      <p:sp>
-        <p:nvSpPr>
-          <p:cNvPr id="3" name="ZoneTexte 2"/>
-          <p:cNvSpPr txBox="1"/>
-          <p:nvPr/>
-        </p:nvSpPr>
-        <p:spPr>
-          <a:xfrm>
-            <a:off x="7032404" y="4187442"/>
-            <a:ext cx="851578" cy="369332"/>
-          </a:xfrm>
-          <a:prstGeom prst="rect">
-            <a:avLst/>
-          </a:prstGeom>
-          <a:noFill/>
-        </p:spPr>
-        <p:txBody>
-          <a:bodyPr wrap="none" rtlCol="0">
-            <a:spAutoFit/>
-          </a:bodyPr>
-          <a:lstStyle/>
-          <a:p>
-            <a:r>
-              <a:rPr lang="fr-FR" dirty="0" smtClean="0"/>
-              <a:t>RSEM</a:t>
-            </a:r>
-            <a:endParaRPr lang="fr-FR" dirty="0"/>
-          </a:p>
-        </p:txBody>
-      </p:sp>
-      <p:sp>
-        <p:nvSpPr>
-          <p:cNvPr id="10" name="ZoneTexte 9"/>
-          <p:cNvSpPr txBox="1"/>
-          <p:nvPr/>
-        </p:nvSpPr>
-        <p:spPr>
-          <a:xfrm>
-            <a:off x="6765581" y="2091828"/>
-            <a:ext cx="1509698" cy="646331"/>
-          </a:xfrm>
-          <a:prstGeom prst="rect">
-            <a:avLst/>
-          </a:prstGeom>
-          <a:noFill/>
-        </p:spPr>
-        <p:txBody>
-          <a:bodyPr wrap="none" rtlCol="0">
-            <a:spAutoFit/>
-          </a:bodyPr>
-          <a:lstStyle/>
-          <a:p>
-            <a:r>
-              <a:rPr lang="fr-FR" dirty="0" err="1" smtClean="0"/>
-              <a:t>FastQC</a:t>
-            </a:r>
-            <a:endParaRPr lang="fr-FR" dirty="0" smtClean="0"/>
-          </a:p>
-          <a:p>
-            <a:r>
-              <a:rPr lang="fr-FR" dirty="0" err="1" smtClean="0"/>
-              <a:t>Trimmomatic</a:t>
-            </a:r>
-            <a:endParaRPr lang="fr-FR" dirty="0"/>
-          </a:p>
-        </p:txBody>
-      </p:sp>
-    </p:spTree>
-    <p:extLst>
-      <p:ext uri="{BB962C8B-B14F-4D97-AF65-F5344CB8AC3E}">
-        <p14:creationId xmlns:p14="http://schemas.microsoft.com/office/powerpoint/2010/main" val="137075512"/>
-      </p:ext>
-    </p:extLst>
-  </p:cSld>
-  <p:clrMapOvr>
-    <a:masterClrMapping/>
-  </p:clrMapOvr>
-</p:sld>
-</file>
-
-<file path=ppt/slides/slide24.xml><?xml version="1.0" encoding="utf-8"?>
-<p:sld xmlns:a="http://schemas.openxmlformats.org/drawingml/2006/main" xmlns:r="http://schemas.openxmlformats.org/officeDocument/2006/relationships" xmlns:p="http://schemas.openxmlformats.org/presentationml/2006/main">
-  <p:cSld>
-    <p:spTree>
-      <p:nvGrpSpPr>
-        <p:cNvPr id="1" name=""/>
-        <p:cNvGrpSpPr/>
-        <p:nvPr/>
-      </p:nvGrpSpPr>
-      <p:grpSpPr>
-        <a:xfrm>
-          <a:off x="0" y="0"/>
-          <a:ext cx="0" cy="0"/>
-          <a:chOff x="0" y="0"/>
-          <a:chExt cx="0" cy="0"/>
-        </a:xfrm>
-      </p:grpSpPr>
-      <p:sp>
-        <p:nvSpPr>
-          <p:cNvPr id="2" name="Titre 1"/>
-          <p:cNvSpPr>
-            <a:spLocks noGrp="1"/>
-          </p:cNvSpPr>
-          <p:nvPr>
-            <p:ph type="title"/>
-          </p:nvPr>
-        </p:nvSpPr>
-        <p:spPr/>
-        <p:txBody>
-          <a:bodyPr>
-            <a:normAutofit fontScale="90000"/>
-          </a:bodyPr>
-          <a:lstStyle/>
-          <a:p>
-            <a:r>
-              <a:rPr lang="fr-FR" dirty="0" smtClean="0"/>
-              <a:t>Mettre ici </a:t>
-            </a:r>
-            <a:r>
-              <a:rPr lang="fr-FR" dirty="0" err="1" smtClean="0"/>
-              <a:t>slide</a:t>
-            </a:r>
-            <a:r>
-              <a:rPr lang="fr-FR" dirty="0" smtClean="0"/>
-              <a:t> sur Application RNA-</a:t>
-            </a:r>
-            <a:r>
-              <a:rPr lang="fr-FR" dirty="0" err="1" smtClean="0"/>
-              <a:t>Seq</a:t>
-            </a:r>
-            <a:endParaRPr lang="fr-FR" dirty="0"/>
-          </a:p>
-        </p:txBody>
-      </p:sp>
-      <p:sp>
-        <p:nvSpPr>
-          <p:cNvPr id="3" name="Espace réservé du contenu 2"/>
-          <p:cNvSpPr>
-            <a:spLocks noGrp="1"/>
-          </p:cNvSpPr>
-          <p:nvPr>
-            <p:ph idx="1"/>
-          </p:nvPr>
-        </p:nvSpPr>
-        <p:spPr/>
-        <p:txBody>
-          <a:bodyPr/>
-          <a:lstStyle/>
-          <a:p>
-            <a:endParaRPr lang="fr-FR"/>
           </a:p>
         </p:txBody>
       </p:sp>

--- a/docs/source/TP2/TP2_2061124.pptx
+++ b/docs/source/TP2/TP2_2061124.pptx
@@ -26,7 +26,7 @@
     <p:sldId id="273" r:id="rId17"/>
     <p:sldId id="274" r:id="rId18"/>
     <p:sldId id="275" r:id="rId19"/>
-    <p:sldId id="278" r:id="rId20"/>
+    <p:sldId id="280" r:id="rId20"/>
     <p:sldId id="279" r:id="rId21"/>
     <p:sldId id="270" r:id="rId22"/>
   </p:sldIdLst>
@@ -524,1975 +524,6 @@
           <a:bodyPr/>
           <a:lstStyle/>
           <a:p>
-            <a:r>
-              <a:rPr lang="fr-FR" sz="1200" kern="1200" dirty="0" smtClean="0">
-                <a:solidFill>
-                  <a:schemeClr val="tx1"/>
-                </a:solidFill>
-                <a:latin typeface="+mn-lt"/>
-                <a:ea typeface="+mn-ea"/>
-                <a:cs typeface="+mn-cs"/>
-              </a:rPr>
-              <a:t>An illustrative </a:t>
-            </a:r>
-            <a:r>
-              <a:rPr lang="fr-FR" sz="1200" kern="1200" dirty="0" err="1" smtClean="0">
-                <a:solidFill>
-                  <a:schemeClr val="tx1"/>
-                </a:solidFill>
-                <a:latin typeface="+mn-lt"/>
-                <a:ea typeface="+mn-ea"/>
-                <a:cs typeface="+mn-cs"/>
-              </a:rPr>
-              <a:t>example</a:t>
-            </a:r>
-            <a:r>
-              <a:rPr lang="fr-FR" sz="1200" kern="1200" dirty="0" smtClean="0">
-                <a:solidFill>
-                  <a:schemeClr val="tx1"/>
-                </a:solidFill>
-                <a:latin typeface="+mn-lt"/>
-                <a:ea typeface="+mn-ea"/>
-                <a:cs typeface="+mn-cs"/>
-              </a:rPr>
-              <a:t> of </a:t>
-            </a:r>
-            <a:r>
-              <a:rPr lang="fr-FR" sz="1200" kern="1200" dirty="0" err="1" smtClean="0">
-                <a:solidFill>
-                  <a:schemeClr val="tx1"/>
-                </a:solidFill>
-                <a:latin typeface="+mn-lt"/>
-                <a:ea typeface="+mn-ea"/>
-                <a:cs typeface="+mn-cs"/>
-              </a:rPr>
-              <a:t>abundance</a:t>
-            </a:r>
-            <a:r>
-              <a:rPr lang="fr-FR" sz="1200" kern="1200" dirty="0" smtClean="0">
-                <a:solidFill>
-                  <a:schemeClr val="tx1"/>
-                </a:solidFill>
-                <a:latin typeface="+mn-lt"/>
-                <a:ea typeface="+mn-ea"/>
-                <a:cs typeface="+mn-cs"/>
-              </a:rPr>
-              <a:t> estimation for </a:t>
-            </a:r>
-            <a:r>
-              <a:rPr lang="fr-FR" sz="1200" kern="1200" dirty="0" err="1" smtClean="0">
-                <a:solidFill>
-                  <a:schemeClr val="tx1"/>
-                </a:solidFill>
-                <a:latin typeface="+mn-lt"/>
-                <a:ea typeface="+mn-ea"/>
-                <a:cs typeface="+mn-cs"/>
-              </a:rPr>
-              <a:t>two</a:t>
-            </a:r>
-            <a:r>
-              <a:rPr lang="fr-FR" sz="1200" kern="1200" dirty="0" smtClean="0">
-                <a:solidFill>
-                  <a:schemeClr val="tx1"/>
-                </a:solidFill>
-                <a:latin typeface="+mn-lt"/>
-                <a:ea typeface="+mn-ea"/>
-                <a:cs typeface="+mn-cs"/>
-              </a:rPr>
-              <a:t> </a:t>
-            </a:r>
-            <a:r>
-              <a:rPr lang="fr-FR" sz="1200" kern="1200" dirty="0" err="1" smtClean="0">
-                <a:solidFill>
-                  <a:schemeClr val="tx1"/>
-                </a:solidFill>
-                <a:latin typeface="+mn-lt"/>
-                <a:ea typeface="+mn-ea"/>
-                <a:cs typeface="+mn-cs"/>
-              </a:rPr>
-              <a:t>transcripts</a:t>
-            </a:r>
-            <a:r>
-              <a:rPr lang="fr-FR" sz="1200" kern="1200" dirty="0" smtClean="0">
-                <a:solidFill>
-                  <a:schemeClr val="tx1"/>
-                </a:solidFill>
-                <a:latin typeface="+mn-lt"/>
-                <a:ea typeface="+mn-ea"/>
-                <a:cs typeface="+mn-cs"/>
-              </a:rPr>
-              <a:t> </a:t>
-            </a:r>
-            <a:r>
-              <a:rPr lang="fr-FR" sz="1200" kern="1200" dirty="0" err="1" smtClean="0">
-                <a:solidFill>
-                  <a:schemeClr val="tx1"/>
-                </a:solidFill>
-                <a:latin typeface="+mn-lt"/>
-                <a:ea typeface="+mn-ea"/>
-                <a:cs typeface="+mn-cs"/>
-              </a:rPr>
-              <a:t>with</a:t>
-            </a:r>
-            <a:r>
-              <a:rPr lang="fr-FR" sz="1200" kern="1200" dirty="0" smtClean="0">
-                <a:solidFill>
-                  <a:schemeClr val="tx1"/>
-                </a:solidFill>
-                <a:latin typeface="+mn-lt"/>
-                <a:ea typeface="+mn-ea"/>
-                <a:cs typeface="+mn-cs"/>
-              </a:rPr>
-              <a:t> </a:t>
-            </a:r>
-            <a:r>
-              <a:rPr lang="fr-FR" sz="1200" kern="1200" dirty="0" err="1" smtClean="0">
-                <a:solidFill>
-                  <a:schemeClr val="tx1"/>
-                </a:solidFill>
-                <a:latin typeface="+mn-lt"/>
-                <a:ea typeface="+mn-ea"/>
-                <a:cs typeface="+mn-cs"/>
-              </a:rPr>
-              <a:t>shared</a:t>
-            </a:r>
-            <a:r>
-              <a:rPr lang="fr-FR" sz="1200" kern="1200" dirty="0" smtClean="0">
-                <a:solidFill>
-                  <a:schemeClr val="tx1"/>
-                </a:solidFill>
-                <a:latin typeface="+mn-lt"/>
-                <a:ea typeface="+mn-ea"/>
-                <a:cs typeface="+mn-cs"/>
-              </a:rPr>
-              <a:t> (</a:t>
-            </a:r>
-            <a:r>
-              <a:rPr lang="fr-FR" sz="1200" kern="1200" dirty="0" err="1" smtClean="0">
-                <a:solidFill>
-                  <a:schemeClr val="tx1"/>
-                </a:solidFill>
-                <a:latin typeface="+mn-lt"/>
-                <a:ea typeface="+mn-ea"/>
-                <a:cs typeface="+mn-cs"/>
-              </a:rPr>
-              <a:t>blue</a:t>
-            </a:r>
-            <a:r>
-              <a:rPr lang="fr-FR" sz="1200" kern="1200" dirty="0" smtClean="0">
-                <a:solidFill>
-                  <a:schemeClr val="tx1"/>
-                </a:solidFill>
-                <a:latin typeface="+mn-lt"/>
-                <a:ea typeface="+mn-ea"/>
-                <a:cs typeface="+mn-cs"/>
-              </a:rPr>
-              <a:t>) and unique (</a:t>
-            </a:r>
-            <a:r>
-              <a:rPr lang="fr-FR" sz="1200" kern="1200" dirty="0" err="1" smtClean="0">
-                <a:solidFill>
-                  <a:schemeClr val="tx1"/>
-                </a:solidFill>
-                <a:latin typeface="+mn-lt"/>
-                <a:ea typeface="+mn-ea"/>
-                <a:cs typeface="+mn-cs"/>
-              </a:rPr>
-              <a:t>red</a:t>
-            </a:r>
-            <a:r>
-              <a:rPr lang="fr-FR" sz="1200" kern="1200" dirty="0" smtClean="0">
-                <a:solidFill>
-                  <a:schemeClr val="tx1"/>
-                </a:solidFill>
-                <a:latin typeface="+mn-lt"/>
-                <a:ea typeface="+mn-ea"/>
-                <a:cs typeface="+mn-cs"/>
-              </a:rPr>
-              <a:t>, </a:t>
-            </a:r>
-            <a:r>
-              <a:rPr lang="fr-FR" sz="1200" kern="1200" dirty="0" err="1" smtClean="0">
-                <a:solidFill>
-                  <a:schemeClr val="tx1"/>
-                </a:solidFill>
-                <a:latin typeface="+mn-lt"/>
-                <a:ea typeface="+mn-ea"/>
-                <a:cs typeface="+mn-cs"/>
-              </a:rPr>
-              <a:t>yellow</a:t>
-            </a:r>
-            <a:r>
-              <a:rPr lang="fr-FR" sz="1200" kern="1200" dirty="0" smtClean="0">
-                <a:solidFill>
-                  <a:schemeClr val="tx1"/>
-                </a:solidFill>
-                <a:latin typeface="+mn-lt"/>
-                <a:ea typeface="+mn-ea"/>
-                <a:cs typeface="+mn-cs"/>
-              </a:rPr>
-              <a:t>) </a:t>
-            </a:r>
-            <a:r>
-              <a:rPr lang="fr-FR" sz="1200" kern="1200" dirty="0" err="1" smtClean="0">
-                <a:solidFill>
-                  <a:schemeClr val="tx1"/>
-                </a:solidFill>
-                <a:latin typeface="+mn-lt"/>
-                <a:ea typeface="+mn-ea"/>
-                <a:cs typeface="+mn-cs"/>
-              </a:rPr>
-              <a:t>sequences</a:t>
-            </a:r>
-            <a:r>
-              <a:rPr lang="fr-FR" sz="1200" kern="1200" dirty="0" smtClean="0">
-                <a:solidFill>
-                  <a:schemeClr val="tx1"/>
-                </a:solidFill>
-                <a:latin typeface="+mn-lt"/>
-                <a:ea typeface="+mn-ea"/>
-                <a:cs typeface="+mn-cs"/>
-              </a:rPr>
-              <a:t>. To </a:t>
-            </a:r>
-            <a:r>
-              <a:rPr lang="fr-FR" sz="1200" kern="1200" dirty="0" err="1" smtClean="0">
-                <a:solidFill>
-                  <a:schemeClr val="tx1"/>
-                </a:solidFill>
-                <a:latin typeface="+mn-lt"/>
-                <a:ea typeface="+mn-ea"/>
-                <a:cs typeface="+mn-cs"/>
-              </a:rPr>
-              <a:t>estimate</a:t>
-            </a:r>
-            <a:r>
-              <a:rPr lang="fr-FR" sz="1200" kern="1200" dirty="0" smtClean="0">
-                <a:solidFill>
-                  <a:schemeClr val="tx1"/>
-                </a:solidFill>
-                <a:latin typeface="+mn-lt"/>
-                <a:ea typeface="+mn-ea"/>
-                <a:cs typeface="+mn-cs"/>
-              </a:rPr>
-              <a:t> </a:t>
-            </a:r>
-            <a:r>
-              <a:rPr lang="fr-FR" sz="1200" kern="1200" dirty="0" err="1" smtClean="0">
-                <a:solidFill>
-                  <a:schemeClr val="tx1"/>
-                </a:solidFill>
-                <a:latin typeface="+mn-lt"/>
-                <a:ea typeface="+mn-ea"/>
-                <a:cs typeface="+mn-cs"/>
-              </a:rPr>
-              <a:t>transcript</a:t>
-            </a:r>
-            <a:r>
-              <a:rPr lang="fr-FR" sz="1200" kern="1200" dirty="0" smtClean="0">
-                <a:solidFill>
-                  <a:schemeClr val="tx1"/>
-                </a:solidFill>
-                <a:latin typeface="+mn-lt"/>
-                <a:ea typeface="+mn-ea"/>
-                <a:cs typeface="+mn-cs"/>
-              </a:rPr>
-              <a:t> </a:t>
-            </a:r>
-            <a:r>
-              <a:rPr lang="fr-FR" sz="1200" kern="1200" dirty="0" err="1" smtClean="0">
-                <a:solidFill>
-                  <a:schemeClr val="tx1"/>
-                </a:solidFill>
-                <a:latin typeface="+mn-lt"/>
-                <a:ea typeface="+mn-ea"/>
-                <a:cs typeface="+mn-cs"/>
-              </a:rPr>
-              <a:t>abundances</a:t>
-            </a:r>
-            <a:r>
-              <a:rPr lang="fr-FR" sz="1200" kern="1200" dirty="0" smtClean="0">
-                <a:solidFill>
-                  <a:schemeClr val="tx1"/>
-                </a:solidFill>
-                <a:latin typeface="+mn-lt"/>
-                <a:ea typeface="+mn-ea"/>
-                <a:cs typeface="+mn-cs"/>
-              </a:rPr>
-              <a:t>, RNA-</a:t>
-            </a:r>
-            <a:r>
-              <a:rPr lang="fr-FR" sz="1200" kern="1200" dirty="0" err="1" smtClean="0">
-                <a:solidFill>
-                  <a:schemeClr val="tx1"/>
-                </a:solidFill>
-                <a:latin typeface="+mn-lt"/>
-                <a:ea typeface="+mn-ea"/>
-                <a:cs typeface="+mn-cs"/>
-              </a:rPr>
-              <a:t>seq</a:t>
-            </a:r>
-            <a:r>
-              <a:rPr lang="fr-FR" sz="1200" kern="1200" dirty="0" smtClean="0">
-                <a:solidFill>
-                  <a:schemeClr val="tx1"/>
-                </a:solidFill>
-                <a:latin typeface="+mn-lt"/>
-                <a:ea typeface="+mn-ea"/>
-                <a:cs typeface="+mn-cs"/>
-              </a:rPr>
-              <a:t> </a:t>
-            </a:r>
-            <a:r>
-              <a:rPr lang="fr-FR" sz="1200" kern="1200" dirty="0" err="1" smtClean="0">
-                <a:solidFill>
-                  <a:schemeClr val="tx1"/>
-                </a:solidFill>
-                <a:latin typeface="+mn-lt"/>
-                <a:ea typeface="+mn-ea"/>
-                <a:cs typeface="+mn-cs"/>
-              </a:rPr>
-              <a:t>reads</a:t>
-            </a:r>
-            <a:r>
-              <a:rPr lang="fr-FR" sz="1200" kern="1200" dirty="0" smtClean="0">
-                <a:solidFill>
-                  <a:schemeClr val="tx1"/>
-                </a:solidFill>
-                <a:latin typeface="+mn-lt"/>
-                <a:ea typeface="+mn-ea"/>
-                <a:cs typeface="+mn-cs"/>
-              </a:rPr>
-              <a:t> (short bars) are first </a:t>
-            </a:r>
-            <a:r>
-              <a:rPr lang="fr-FR" sz="1200" kern="1200" dirty="0" err="1" smtClean="0">
-                <a:solidFill>
-                  <a:schemeClr val="tx1"/>
-                </a:solidFill>
-                <a:latin typeface="+mn-lt"/>
-                <a:ea typeface="+mn-ea"/>
-                <a:cs typeface="+mn-cs"/>
-              </a:rPr>
-              <a:t>aligned</a:t>
-            </a:r>
-            <a:r>
-              <a:rPr lang="fr-FR" sz="1200" kern="1200" dirty="0" smtClean="0">
-                <a:solidFill>
-                  <a:schemeClr val="tx1"/>
-                </a:solidFill>
-                <a:latin typeface="+mn-lt"/>
-                <a:ea typeface="+mn-ea"/>
-                <a:cs typeface="+mn-cs"/>
-              </a:rPr>
-              <a:t> to the </a:t>
-            </a:r>
-            <a:r>
-              <a:rPr lang="fr-FR" sz="1200" kern="1200" dirty="0" err="1" smtClean="0">
-                <a:solidFill>
-                  <a:schemeClr val="tx1"/>
-                </a:solidFill>
-                <a:latin typeface="+mn-lt"/>
-                <a:ea typeface="+mn-ea"/>
-                <a:cs typeface="+mn-cs"/>
-              </a:rPr>
-              <a:t>transcript</a:t>
-            </a:r>
-            <a:r>
-              <a:rPr lang="fr-FR" sz="1200" kern="1200" dirty="0" smtClean="0">
-                <a:solidFill>
-                  <a:schemeClr val="tx1"/>
-                </a:solidFill>
-                <a:latin typeface="+mn-lt"/>
-                <a:ea typeface="+mn-ea"/>
-                <a:cs typeface="+mn-cs"/>
-              </a:rPr>
-              <a:t> </a:t>
-            </a:r>
-            <a:r>
-              <a:rPr lang="fr-FR" sz="1200" kern="1200" dirty="0" err="1" smtClean="0">
-                <a:solidFill>
-                  <a:schemeClr val="tx1"/>
-                </a:solidFill>
-                <a:latin typeface="+mn-lt"/>
-                <a:ea typeface="+mn-ea"/>
-                <a:cs typeface="+mn-cs"/>
-              </a:rPr>
-              <a:t>sequences</a:t>
-            </a:r>
-            <a:r>
-              <a:rPr lang="fr-FR" sz="1200" kern="1200" dirty="0" smtClean="0">
-                <a:solidFill>
-                  <a:schemeClr val="tx1"/>
-                </a:solidFill>
-                <a:latin typeface="+mn-lt"/>
-                <a:ea typeface="+mn-ea"/>
-                <a:cs typeface="+mn-cs"/>
-              </a:rPr>
-              <a:t> (long bars, </a:t>
-            </a:r>
-            <a:r>
-              <a:rPr lang="fr-FR" sz="1200" kern="1200" dirty="0" err="1" smtClean="0">
-                <a:solidFill>
-                  <a:schemeClr val="tx1"/>
-                </a:solidFill>
-                <a:latin typeface="+mn-lt"/>
-                <a:ea typeface="+mn-ea"/>
-                <a:cs typeface="+mn-cs"/>
-              </a:rPr>
-              <a:t>bottom</a:t>
-            </a:r>
-            <a:r>
-              <a:rPr lang="fr-FR" sz="1200" kern="1200" dirty="0" smtClean="0">
-                <a:solidFill>
-                  <a:schemeClr val="tx1"/>
-                </a:solidFill>
-                <a:latin typeface="+mn-lt"/>
-                <a:ea typeface="+mn-ea"/>
-                <a:cs typeface="+mn-cs"/>
-              </a:rPr>
-              <a:t>). Unique </a:t>
-            </a:r>
-            <a:r>
-              <a:rPr lang="fr-FR" sz="1200" kern="1200" dirty="0" err="1" smtClean="0">
-                <a:solidFill>
-                  <a:schemeClr val="tx1"/>
-                </a:solidFill>
-                <a:latin typeface="+mn-lt"/>
-                <a:ea typeface="+mn-ea"/>
-                <a:cs typeface="+mn-cs"/>
-              </a:rPr>
-              <a:t>regions</a:t>
-            </a:r>
-            <a:r>
-              <a:rPr lang="fr-FR" sz="1200" kern="1200" dirty="0" smtClean="0">
-                <a:solidFill>
-                  <a:schemeClr val="tx1"/>
-                </a:solidFill>
-                <a:latin typeface="+mn-lt"/>
-                <a:ea typeface="+mn-ea"/>
-                <a:cs typeface="+mn-cs"/>
-              </a:rPr>
-              <a:t> of </a:t>
-            </a:r>
-            <a:r>
-              <a:rPr lang="fr-FR" sz="1200" kern="1200" dirty="0" err="1" smtClean="0">
-                <a:solidFill>
-                  <a:schemeClr val="tx1"/>
-                </a:solidFill>
-                <a:latin typeface="+mn-lt"/>
-                <a:ea typeface="+mn-ea"/>
-                <a:cs typeface="+mn-cs"/>
-              </a:rPr>
-              <a:t>isoforms</a:t>
-            </a:r>
-            <a:r>
-              <a:rPr lang="fr-FR" sz="1200" kern="1200" dirty="0" smtClean="0">
-                <a:solidFill>
-                  <a:schemeClr val="tx1"/>
-                </a:solidFill>
-                <a:latin typeface="+mn-lt"/>
-                <a:ea typeface="+mn-ea"/>
-                <a:cs typeface="+mn-cs"/>
-              </a:rPr>
-              <a:t> </a:t>
-            </a:r>
-            <a:r>
-              <a:rPr lang="fr-FR" sz="1200" kern="1200" dirty="0" err="1" smtClean="0">
-                <a:solidFill>
-                  <a:schemeClr val="tx1"/>
-                </a:solidFill>
-                <a:latin typeface="+mn-lt"/>
-                <a:ea typeface="+mn-ea"/>
-                <a:cs typeface="+mn-cs"/>
-              </a:rPr>
-              <a:t>will</a:t>
-            </a:r>
-            <a:r>
-              <a:rPr lang="fr-FR" sz="1200" kern="1200" dirty="0" smtClean="0">
-                <a:solidFill>
-                  <a:schemeClr val="tx1"/>
-                </a:solidFill>
-                <a:latin typeface="+mn-lt"/>
-                <a:ea typeface="+mn-ea"/>
-                <a:cs typeface="+mn-cs"/>
-              </a:rPr>
-              <a:t> capture </a:t>
-            </a:r>
-            <a:r>
-              <a:rPr lang="fr-FR" sz="1200" kern="1200" dirty="0" err="1" smtClean="0">
-                <a:solidFill>
-                  <a:schemeClr val="tx1"/>
-                </a:solidFill>
-                <a:latin typeface="+mn-lt"/>
-                <a:ea typeface="+mn-ea"/>
-                <a:cs typeface="+mn-cs"/>
-              </a:rPr>
-              <a:t>uniquely</a:t>
-            </a:r>
-            <a:r>
-              <a:rPr lang="fr-FR" sz="1200" kern="1200" dirty="0" smtClean="0">
-                <a:solidFill>
-                  <a:schemeClr val="tx1"/>
-                </a:solidFill>
-                <a:latin typeface="+mn-lt"/>
-                <a:ea typeface="+mn-ea"/>
-                <a:cs typeface="+mn-cs"/>
-              </a:rPr>
-              <a:t> </a:t>
-            </a:r>
-            <a:r>
-              <a:rPr lang="fr-FR" sz="1200" kern="1200" dirty="0" err="1" smtClean="0">
-                <a:solidFill>
-                  <a:schemeClr val="tx1"/>
-                </a:solidFill>
-                <a:latin typeface="+mn-lt"/>
-                <a:ea typeface="+mn-ea"/>
-                <a:cs typeface="+mn-cs"/>
-              </a:rPr>
-              <a:t>mapping</a:t>
-            </a:r>
-            <a:r>
-              <a:rPr lang="fr-FR" sz="1200" kern="1200" dirty="0" smtClean="0">
-                <a:solidFill>
-                  <a:schemeClr val="tx1"/>
-                </a:solidFill>
-                <a:latin typeface="+mn-lt"/>
-                <a:ea typeface="+mn-ea"/>
-                <a:cs typeface="+mn-cs"/>
-              </a:rPr>
-              <a:t> RNA-</a:t>
-            </a:r>
-            <a:r>
-              <a:rPr lang="fr-FR" sz="1200" kern="1200" dirty="0" err="1" smtClean="0">
-                <a:solidFill>
-                  <a:schemeClr val="tx1"/>
-                </a:solidFill>
-                <a:latin typeface="+mn-lt"/>
-                <a:ea typeface="+mn-ea"/>
-                <a:cs typeface="+mn-cs"/>
-              </a:rPr>
-              <a:t>seq</a:t>
-            </a:r>
-            <a:r>
-              <a:rPr lang="fr-FR" sz="1200" kern="1200" dirty="0" smtClean="0">
-                <a:solidFill>
-                  <a:schemeClr val="tx1"/>
-                </a:solidFill>
-                <a:latin typeface="+mn-lt"/>
-                <a:ea typeface="+mn-ea"/>
-                <a:cs typeface="+mn-cs"/>
-              </a:rPr>
-              <a:t> </a:t>
-            </a:r>
-            <a:r>
-              <a:rPr lang="fr-FR" sz="1200" kern="1200" dirty="0" err="1" smtClean="0">
-                <a:solidFill>
-                  <a:schemeClr val="tx1"/>
-                </a:solidFill>
-                <a:latin typeface="+mn-lt"/>
-                <a:ea typeface="+mn-ea"/>
-                <a:cs typeface="+mn-cs"/>
-              </a:rPr>
-              <a:t>reads</a:t>
-            </a:r>
-            <a:r>
-              <a:rPr lang="fr-FR" sz="1200" kern="1200" dirty="0" smtClean="0">
-                <a:solidFill>
-                  <a:schemeClr val="tx1"/>
-                </a:solidFill>
-                <a:latin typeface="+mn-lt"/>
-                <a:ea typeface="+mn-ea"/>
-                <a:cs typeface="+mn-cs"/>
-              </a:rPr>
-              <a:t> (</a:t>
-            </a:r>
-            <a:r>
-              <a:rPr lang="fr-FR" sz="1200" kern="1200" dirty="0" err="1" smtClean="0">
-                <a:solidFill>
-                  <a:schemeClr val="tx1"/>
-                </a:solidFill>
-                <a:latin typeface="+mn-lt"/>
-                <a:ea typeface="+mn-ea"/>
-                <a:cs typeface="+mn-cs"/>
-              </a:rPr>
-              <a:t>red</a:t>
-            </a:r>
-            <a:r>
-              <a:rPr lang="fr-FR" sz="1200" kern="1200" dirty="0" smtClean="0">
-                <a:solidFill>
-                  <a:schemeClr val="tx1"/>
-                </a:solidFill>
-                <a:latin typeface="+mn-lt"/>
-                <a:ea typeface="+mn-ea"/>
-                <a:cs typeface="+mn-cs"/>
-              </a:rPr>
-              <a:t> and </a:t>
-            </a:r>
-            <a:r>
-              <a:rPr lang="fr-FR" sz="1200" kern="1200" dirty="0" err="1" smtClean="0">
-                <a:solidFill>
-                  <a:schemeClr val="tx1"/>
-                </a:solidFill>
-                <a:latin typeface="+mn-lt"/>
-                <a:ea typeface="+mn-ea"/>
-                <a:cs typeface="+mn-cs"/>
-              </a:rPr>
-              <a:t>yellow</a:t>
-            </a:r>
-            <a:r>
-              <a:rPr lang="fr-FR" sz="1200" kern="1200" dirty="0" smtClean="0">
-                <a:solidFill>
-                  <a:schemeClr val="tx1"/>
-                </a:solidFill>
-                <a:latin typeface="+mn-lt"/>
-                <a:ea typeface="+mn-ea"/>
-                <a:cs typeface="+mn-cs"/>
-              </a:rPr>
-              <a:t> short bars), and </a:t>
-            </a:r>
-            <a:r>
-              <a:rPr lang="fr-FR" sz="1200" kern="1200" dirty="0" err="1" smtClean="0">
-                <a:solidFill>
-                  <a:schemeClr val="tx1"/>
-                </a:solidFill>
-                <a:latin typeface="+mn-lt"/>
-                <a:ea typeface="+mn-ea"/>
-                <a:cs typeface="+mn-cs"/>
-              </a:rPr>
-              <a:t>shared</a:t>
-            </a:r>
-            <a:r>
-              <a:rPr lang="fr-FR" sz="1200" kern="1200" dirty="0" smtClean="0">
-                <a:solidFill>
-                  <a:schemeClr val="tx1"/>
-                </a:solidFill>
-                <a:latin typeface="+mn-lt"/>
-                <a:ea typeface="+mn-ea"/>
-                <a:cs typeface="+mn-cs"/>
-              </a:rPr>
-              <a:t> </a:t>
-            </a:r>
-            <a:r>
-              <a:rPr lang="fr-FR" sz="1200" kern="1200" dirty="0" err="1" smtClean="0">
-                <a:solidFill>
-                  <a:schemeClr val="tx1"/>
-                </a:solidFill>
-                <a:latin typeface="+mn-lt"/>
-                <a:ea typeface="+mn-ea"/>
-                <a:cs typeface="+mn-cs"/>
-              </a:rPr>
-              <a:t>sequences</a:t>
-            </a:r>
-            <a:r>
-              <a:rPr lang="fr-FR" sz="1200" kern="1200" dirty="0" smtClean="0">
-                <a:solidFill>
-                  <a:schemeClr val="tx1"/>
-                </a:solidFill>
-                <a:latin typeface="+mn-lt"/>
-                <a:ea typeface="+mn-ea"/>
-                <a:cs typeface="+mn-cs"/>
-              </a:rPr>
-              <a:t> </a:t>
-            </a:r>
-            <a:r>
-              <a:rPr lang="fr-FR" sz="1200" kern="1200" dirty="0" err="1" smtClean="0">
-                <a:solidFill>
-                  <a:schemeClr val="tx1"/>
-                </a:solidFill>
-                <a:latin typeface="+mn-lt"/>
-                <a:ea typeface="+mn-ea"/>
-                <a:cs typeface="+mn-cs"/>
-              </a:rPr>
-              <a:t>between</a:t>
-            </a:r>
-            <a:r>
-              <a:rPr lang="fr-FR" sz="1200" kern="1200" dirty="0" smtClean="0">
-                <a:solidFill>
-                  <a:schemeClr val="tx1"/>
-                </a:solidFill>
-                <a:latin typeface="+mn-lt"/>
-                <a:ea typeface="+mn-ea"/>
-                <a:cs typeface="+mn-cs"/>
-              </a:rPr>
-              <a:t> </a:t>
-            </a:r>
-            <a:r>
-              <a:rPr lang="fr-FR" sz="1200" kern="1200" dirty="0" err="1" smtClean="0">
-                <a:solidFill>
-                  <a:schemeClr val="tx1"/>
-                </a:solidFill>
-                <a:latin typeface="+mn-lt"/>
-                <a:ea typeface="+mn-ea"/>
-                <a:cs typeface="+mn-cs"/>
-              </a:rPr>
-              <a:t>isoforms</a:t>
-            </a:r>
-            <a:r>
-              <a:rPr lang="fr-FR" sz="1200" kern="1200" dirty="0" smtClean="0">
-                <a:solidFill>
-                  <a:schemeClr val="tx1"/>
-                </a:solidFill>
-                <a:latin typeface="+mn-lt"/>
-                <a:ea typeface="+mn-ea"/>
-                <a:cs typeface="+mn-cs"/>
-              </a:rPr>
-              <a:t> </a:t>
-            </a:r>
-            <a:r>
-              <a:rPr lang="fr-FR" sz="1200" kern="1200" dirty="0" err="1" smtClean="0">
-                <a:solidFill>
-                  <a:schemeClr val="tx1"/>
-                </a:solidFill>
-                <a:latin typeface="+mn-lt"/>
-                <a:ea typeface="+mn-ea"/>
-                <a:cs typeface="+mn-cs"/>
-              </a:rPr>
-              <a:t>will</a:t>
-            </a:r>
-            <a:r>
-              <a:rPr lang="fr-FR" sz="1200" kern="1200" dirty="0" smtClean="0">
-                <a:solidFill>
-                  <a:schemeClr val="tx1"/>
-                </a:solidFill>
-                <a:latin typeface="+mn-lt"/>
-                <a:ea typeface="+mn-ea"/>
-                <a:cs typeface="+mn-cs"/>
-              </a:rPr>
-              <a:t> capture </a:t>
-            </a:r>
-            <a:r>
-              <a:rPr lang="fr-FR" sz="1200" kern="1200" dirty="0" err="1" smtClean="0">
-                <a:solidFill>
-                  <a:schemeClr val="tx1"/>
-                </a:solidFill>
-                <a:latin typeface="+mn-lt"/>
-                <a:ea typeface="+mn-ea"/>
-                <a:cs typeface="+mn-cs"/>
-              </a:rPr>
-              <a:t>multiply-mapping</a:t>
-            </a:r>
-            <a:r>
-              <a:rPr lang="fr-FR" sz="1200" kern="1200" dirty="0" smtClean="0">
-                <a:solidFill>
-                  <a:schemeClr val="tx1"/>
-                </a:solidFill>
-                <a:latin typeface="+mn-lt"/>
-                <a:ea typeface="+mn-ea"/>
-                <a:cs typeface="+mn-cs"/>
-              </a:rPr>
-              <a:t> </a:t>
-            </a:r>
-            <a:r>
-              <a:rPr lang="fr-FR" sz="1200" kern="1200" dirty="0" err="1" smtClean="0">
-                <a:solidFill>
-                  <a:schemeClr val="tx1"/>
-                </a:solidFill>
-                <a:latin typeface="+mn-lt"/>
-                <a:ea typeface="+mn-ea"/>
-                <a:cs typeface="+mn-cs"/>
-              </a:rPr>
-              <a:t>reads</a:t>
-            </a:r>
-            <a:r>
-              <a:rPr lang="fr-FR" sz="1200" kern="1200" dirty="0" smtClean="0">
-                <a:solidFill>
-                  <a:schemeClr val="tx1"/>
-                </a:solidFill>
-                <a:latin typeface="+mn-lt"/>
-                <a:ea typeface="+mn-ea"/>
-                <a:cs typeface="+mn-cs"/>
-              </a:rPr>
-              <a:t> (</a:t>
-            </a:r>
-            <a:r>
-              <a:rPr lang="fr-FR" sz="1200" kern="1200" dirty="0" err="1" smtClean="0">
-                <a:solidFill>
-                  <a:schemeClr val="tx1"/>
-                </a:solidFill>
-                <a:latin typeface="+mn-lt"/>
-                <a:ea typeface="+mn-ea"/>
-                <a:cs typeface="+mn-cs"/>
-              </a:rPr>
-              <a:t>blue</a:t>
-            </a:r>
-            <a:r>
-              <a:rPr lang="fr-FR" sz="1200" kern="1200" dirty="0" smtClean="0">
-                <a:solidFill>
-                  <a:schemeClr val="tx1"/>
-                </a:solidFill>
-                <a:latin typeface="+mn-lt"/>
-                <a:ea typeface="+mn-ea"/>
-                <a:cs typeface="+mn-cs"/>
-              </a:rPr>
-              <a:t> short bars). An expectation </a:t>
-            </a:r>
-            <a:r>
-              <a:rPr lang="fr-FR" sz="1200" kern="1200" dirty="0" err="1" smtClean="0">
-                <a:solidFill>
-                  <a:schemeClr val="tx1"/>
-                </a:solidFill>
-                <a:latin typeface="+mn-lt"/>
-                <a:ea typeface="+mn-ea"/>
-                <a:cs typeface="+mn-cs"/>
-              </a:rPr>
-              <a:t>maximization</a:t>
-            </a:r>
-            <a:r>
-              <a:rPr lang="fr-FR" sz="1200" kern="1200" dirty="0" smtClean="0">
-                <a:solidFill>
-                  <a:schemeClr val="tx1"/>
-                </a:solidFill>
-                <a:latin typeface="+mn-lt"/>
-                <a:ea typeface="+mn-ea"/>
-                <a:cs typeface="+mn-cs"/>
-              </a:rPr>
-              <a:t> </a:t>
-            </a:r>
-            <a:r>
-              <a:rPr lang="fr-FR" sz="1200" kern="1200" dirty="0" err="1" smtClean="0">
-                <a:solidFill>
-                  <a:schemeClr val="tx1"/>
-                </a:solidFill>
-                <a:latin typeface="+mn-lt"/>
-                <a:ea typeface="+mn-ea"/>
-                <a:cs typeface="+mn-cs"/>
-              </a:rPr>
-              <a:t>algorithm</a:t>
-            </a:r>
-            <a:r>
-              <a:rPr lang="fr-FR" sz="1200" kern="1200" dirty="0" smtClean="0">
-                <a:solidFill>
-                  <a:schemeClr val="tx1"/>
-                </a:solidFill>
-                <a:latin typeface="+mn-lt"/>
-                <a:ea typeface="+mn-ea"/>
-                <a:cs typeface="+mn-cs"/>
-              </a:rPr>
-              <a:t>, </a:t>
-            </a:r>
-            <a:r>
-              <a:rPr lang="fr-FR" sz="1200" kern="1200" dirty="0" err="1" smtClean="0">
-                <a:solidFill>
-                  <a:schemeClr val="tx1"/>
-                </a:solidFill>
-                <a:latin typeface="+mn-lt"/>
-                <a:ea typeface="+mn-ea"/>
-                <a:cs typeface="+mn-cs"/>
-              </a:rPr>
-              <a:t>implemented</a:t>
-            </a:r>
-            <a:r>
-              <a:rPr lang="fr-FR" sz="1200" kern="1200" dirty="0" smtClean="0">
-                <a:solidFill>
-                  <a:schemeClr val="tx1"/>
-                </a:solidFill>
-                <a:latin typeface="+mn-lt"/>
-                <a:ea typeface="+mn-ea"/>
-                <a:cs typeface="+mn-cs"/>
-              </a:rPr>
-              <a:t> in the RSEM software, </a:t>
-            </a:r>
-            <a:r>
-              <a:rPr lang="fr-FR" sz="1200" kern="1200" dirty="0" err="1" smtClean="0">
-                <a:solidFill>
-                  <a:schemeClr val="tx1"/>
-                </a:solidFill>
-                <a:latin typeface="+mn-lt"/>
-                <a:ea typeface="+mn-ea"/>
-                <a:cs typeface="+mn-cs"/>
-              </a:rPr>
-              <a:t>estimates</a:t>
-            </a:r>
-            <a:r>
-              <a:rPr lang="fr-FR" sz="1200" kern="1200" dirty="0" smtClean="0">
-                <a:solidFill>
-                  <a:schemeClr val="tx1"/>
-                </a:solidFill>
-                <a:latin typeface="+mn-lt"/>
-                <a:ea typeface="+mn-ea"/>
-                <a:cs typeface="+mn-cs"/>
-              </a:rPr>
-              <a:t> the </a:t>
-            </a:r>
-            <a:r>
-              <a:rPr lang="fr-FR" sz="1200" kern="1200" dirty="0" err="1" smtClean="0">
-                <a:solidFill>
-                  <a:schemeClr val="tx1"/>
-                </a:solidFill>
-                <a:latin typeface="+mn-lt"/>
-                <a:ea typeface="+mn-ea"/>
-                <a:cs typeface="+mn-cs"/>
-              </a:rPr>
-              <a:t>most</a:t>
-            </a:r>
-            <a:r>
-              <a:rPr lang="fr-FR" sz="1200" kern="1200" dirty="0" smtClean="0">
-                <a:solidFill>
-                  <a:schemeClr val="tx1"/>
-                </a:solidFill>
-                <a:latin typeface="+mn-lt"/>
-                <a:ea typeface="+mn-ea"/>
-                <a:cs typeface="+mn-cs"/>
-              </a:rPr>
-              <a:t> </a:t>
-            </a:r>
-            <a:r>
-              <a:rPr lang="fr-FR" sz="1200" kern="1200" dirty="0" err="1" smtClean="0">
-                <a:solidFill>
-                  <a:schemeClr val="tx1"/>
-                </a:solidFill>
-                <a:latin typeface="+mn-lt"/>
-                <a:ea typeface="+mn-ea"/>
-                <a:cs typeface="+mn-cs"/>
-              </a:rPr>
-              <a:t>likely</a:t>
-            </a:r>
-            <a:r>
-              <a:rPr lang="fr-FR" sz="1200" kern="1200" dirty="0" smtClean="0">
-                <a:solidFill>
-                  <a:schemeClr val="tx1"/>
-                </a:solidFill>
-                <a:latin typeface="+mn-lt"/>
-                <a:ea typeface="+mn-ea"/>
-                <a:cs typeface="+mn-cs"/>
-              </a:rPr>
-              <a:t> relative </a:t>
-            </a:r>
-            <a:r>
-              <a:rPr lang="fr-FR" sz="1200" kern="1200" dirty="0" err="1" smtClean="0">
-                <a:solidFill>
-                  <a:schemeClr val="tx1"/>
-                </a:solidFill>
-                <a:latin typeface="+mn-lt"/>
-                <a:ea typeface="+mn-ea"/>
-                <a:cs typeface="+mn-cs"/>
-              </a:rPr>
-              <a:t>abundances</a:t>
-            </a:r>
-            <a:r>
-              <a:rPr lang="fr-FR" sz="1200" kern="1200" dirty="0" smtClean="0">
-                <a:solidFill>
-                  <a:schemeClr val="tx1"/>
-                </a:solidFill>
-                <a:latin typeface="+mn-lt"/>
-                <a:ea typeface="+mn-ea"/>
-                <a:cs typeface="+mn-cs"/>
-              </a:rPr>
-              <a:t> of the </a:t>
-            </a:r>
-            <a:r>
-              <a:rPr lang="fr-FR" sz="1200" kern="1200" dirty="0" err="1" smtClean="0">
-                <a:solidFill>
-                  <a:schemeClr val="tx1"/>
-                </a:solidFill>
-                <a:latin typeface="+mn-lt"/>
-                <a:ea typeface="+mn-ea"/>
-                <a:cs typeface="+mn-cs"/>
-              </a:rPr>
-              <a:t>transcripts</a:t>
-            </a:r>
-            <a:r>
-              <a:rPr lang="fr-FR" sz="1200" kern="1200" dirty="0" smtClean="0">
-                <a:solidFill>
-                  <a:schemeClr val="tx1"/>
-                </a:solidFill>
-                <a:latin typeface="+mn-lt"/>
-                <a:ea typeface="+mn-ea"/>
-                <a:cs typeface="+mn-cs"/>
-              </a:rPr>
-              <a:t> and </a:t>
-            </a:r>
-            <a:r>
-              <a:rPr lang="fr-FR" sz="1200" kern="1200" dirty="0" err="1" smtClean="0">
-                <a:solidFill>
-                  <a:schemeClr val="tx1"/>
-                </a:solidFill>
-                <a:latin typeface="+mn-lt"/>
-                <a:ea typeface="+mn-ea"/>
-                <a:cs typeface="+mn-cs"/>
-              </a:rPr>
-              <a:t>then</a:t>
-            </a:r>
-            <a:r>
-              <a:rPr lang="fr-FR" sz="1200" kern="1200" dirty="0" smtClean="0">
-                <a:solidFill>
-                  <a:schemeClr val="tx1"/>
-                </a:solidFill>
-                <a:latin typeface="+mn-lt"/>
-                <a:ea typeface="+mn-ea"/>
-                <a:cs typeface="+mn-cs"/>
-              </a:rPr>
-              <a:t> </a:t>
-            </a:r>
-            <a:r>
-              <a:rPr lang="fr-FR" sz="1200" kern="1200" dirty="0" err="1" smtClean="0">
-                <a:solidFill>
-                  <a:schemeClr val="tx1"/>
-                </a:solidFill>
-                <a:latin typeface="+mn-lt"/>
-                <a:ea typeface="+mn-ea"/>
-                <a:cs typeface="+mn-cs"/>
-              </a:rPr>
-              <a:t>fractionally</a:t>
-            </a:r>
-            <a:r>
-              <a:rPr lang="fr-FR" sz="1200" kern="1200" dirty="0" smtClean="0">
-                <a:solidFill>
-                  <a:schemeClr val="tx1"/>
-                </a:solidFill>
-                <a:latin typeface="+mn-lt"/>
-                <a:ea typeface="+mn-ea"/>
-                <a:cs typeface="+mn-cs"/>
-              </a:rPr>
-              <a:t> </a:t>
-            </a:r>
-            <a:r>
-              <a:rPr lang="fr-FR" sz="1200" kern="1200" dirty="0" err="1" smtClean="0">
-                <a:solidFill>
-                  <a:schemeClr val="tx1"/>
-                </a:solidFill>
-                <a:latin typeface="+mn-lt"/>
-                <a:ea typeface="+mn-ea"/>
-                <a:cs typeface="+mn-cs"/>
-              </a:rPr>
-              <a:t>assigns</a:t>
-            </a:r>
-            <a:r>
-              <a:rPr lang="fr-FR" sz="1200" kern="1200" dirty="0" smtClean="0">
-                <a:solidFill>
-                  <a:schemeClr val="tx1"/>
-                </a:solidFill>
-                <a:latin typeface="+mn-lt"/>
-                <a:ea typeface="+mn-ea"/>
-                <a:cs typeface="+mn-cs"/>
-              </a:rPr>
-              <a:t> </a:t>
-            </a:r>
-            <a:r>
-              <a:rPr lang="fr-FR" sz="1200" kern="1200" dirty="0" err="1" smtClean="0">
-                <a:solidFill>
-                  <a:schemeClr val="tx1"/>
-                </a:solidFill>
-                <a:latin typeface="+mn-lt"/>
-                <a:ea typeface="+mn-ea"/>
-                <a:cs typeface="+mn-cs"/>
-              </a:rPr>
-              <a:t>reads</a:t>
-            </a:r>
-            <a:r>
-              <a:rPr lang="fr-FR" sz="1200" kern="1200" dirty="0" smtClean="0">
-                <a:solidFill>
-                  <a:schemeClr val="tx1"/>
-                </a:solidFill>
-                <a:latin typeface="+mn-lt"/>
-                <a:ea typeface="+mn-ea"/>
-                <a:cs typeface="+mn-cs"/>
-              </a:rPr>
-              <a:t> to the </a:t>
-            </a:r>
-            <a:r>
-              <a:rPr lang="fr-FR" sz="1200" kern="1200" dirty="0" err="1" smtClean="0">
-                <a:solidFill>
-                  <a:schemeClr val="tx1"/>
-                </a:solidFill>
-                <a:latin typeface="+mn-lt"/>
-                <a:ea typeface="+mn-ea"/>
-                <a:cs typeface="+mn-cs"/>
-              </a:rPr>
-              <a:t>isoforms</a:t>
-            </a:r>
-            <a:r>
-              <a:rPr lang="fr-FR" sz="1200" kern="1200" dirty="0" smtClean="0">
-                <a:solidFill>
-                  <a:schemeClr val="tx1"/>
-                </a:solidFill>
-                <a:latin typeface="+mn-lt"/>
-                <a:ea typeface="+mn-ea"/>
-                <a:cs typeface="+mn-cs"/>
-              </a:rPr>
-              <a:t> </a:t>
-            </a:r>
-            <a:r>
-              <a:rPr lang="fr-FR" sz="1200" kern="1200" dirty="0" err="1" smtClean="0">
-                <a:solidFill>
-                  <a:schemeClr val="tx1"/>
-                </a:solidFill>
-                <a:latin typeface="+mn-lt"/>
-                <a:ea typeface="+mn-ea"/>
-                <a:cs typeface="+mn-cs"/>
-              </a:rPr>
-              <a:t>based</a:t>
-            </a:r>
-            <a:r>
-              <a:rPr lang="fr-FR" sz="1200" kern="1200" dirty="0" smtClean="0">
-                <a:solidFill>
-                  <a:schemeClr val="tx1"/>
-                </a:solidFill>
-                <a:latin typeface="+mn-lt"/>
-                <a:ea typeface="+mn-ea"/>
-                <a:cs typeface="+mn-cs"/>
-              </a:rPr>
-              <a:t> on </a:t>
-            </a:r>
-            <a:r>
-              <a:rPr lang="fr-FR" sz="1200" kern="1200" dirty="0" err="1" smtClean="0">
-                <a:solidFill>
-                  <a:schemeClr val="tx1"/>
-                </a:solidFill>
-                <a:latin typeface="+mn-lt"/>
-                <a:ea typeface="+mn-ea"/>
-                <a:cs typeface="+mn-cs"/>
-              </a:rPr>
-              <a:t>these</a:t>
-            </a:r>
-            <a:r>
-              <a:rPr lang="fr-FR" sz="1200" kern="1200" dirty="0" smtClean="0">
-                <a:solidFill>
-                  <a:schemeClr val="tx1"/>
-                </a:solidFill>
-                <a:latin typeface="+mn-lt"/>
-                <a:ea typeface="+mn-ea"/>
-                <a:cs typeface="+mn-cs"/>
-              </a:rPr>
-              <a:t> </a:t>
-            </a:r>
-            <a:r>
-              <a:rPr lang="fr-FR" sz="1200" kern="1200" dirty="0" err="1" smtClean="0">
-                <a:solidFill>
-                  <a:schemeClr val="tx1"/>
-                </a:solidFill>
-                <a:latin typeface="+mn-lt"/>
-                <a:ea typeface="+mn-ea"/>
-                <a:cs typeface="+mn-cs"/>
-              </a:rPr>
-              <a:t>abundances</a:t>
-            </a:r>
-            <a:r>
-              <a:rPr lang="fr-FR" sz="1200" kern="1200" dirty="0" smtClean="0">
-                <a:solidFill>
-                  <a:schemeClr val="tx1"/>
-                </a:solidFill>
-                <a:latin typeface="+mn-lt"/>
-                <a:ea typeface="+mn-ea"/>
-                <a:cs typeface="+mn-cs"/>
-              </a:rPr>
-              <a:t>. The </a:t>
-            </a:r>
-            <a:r>
-              <a:rPr lang="fr-FR" sz="1200" kern="1200" dirty="0" err="1" smtClean="0">
-                <a:solidFill>
-                  <a:schemeClr val="tx1"/>
-                </a:solidFill>
-                <a:latin typeface="+mn-lt"/>
-                <a:ea typeface="+mn-ea"/>
-                <a:cs typeface="+mn-cs"/>
-              </a:rPr>
-              <a:t>assignments</a:t>
-            </a:r>
-            <a:r>
-              <a:rPr lang="fr-FR" sz="1200" kern="1200" dirty="0" smtClean="0">
-                <a:solidFill>
-                  <a:schemeClr val="tx1"/>
-                </a:solidFill>
-                <a:latin typeface="+mn-lt"/>
-                <a:ea typeface="+mn-ea"/>
-                <a:cs typeface="+mn-cs"/>
-              </a:rPr>
-              <a:t> of </a:t>
-            </a:r>
-            <a:r>
-              <a:rPr lang="fr-FR" sz="1200" kern="1200" dirty="0" err="1" smtClean="0">
-                <a:solidFill>
-                  <a:schemeClr val="tx1"/>
-                </a:solidFill>
-                <a:latin typeface="+mn-lt"/>
-                <a:ea typeface="+mn-ea"/>
-                <a:cs typeface="+mn-cs"/>
-              </a:rPr>
-              <a:t>reads</a:t>
-            </a:r>
-            <a:r>
-              <a:rPr lang="fr-FR" sz="1200" kern="1200" dirty="0" smtClean="0">
-                <a:solidFill>
-                  <a:schemeClr val="tx1"/>
-                </a:solidFill>
-                <a:latin typeface="+mn-lt"/>
-                <a:ea typeface="+mn-ea"/>
-                <a:cs typeface="+mn-cs"/>
-              </a:rPr>
-              <a:t> to </a:t>
-            </a:r>
-            <a:r>
-              <a:rPr lang="fr-FR" sz="1200" kern="1200" dirty="0" err="1" smtClean="0">
-                <a:solidFill>
-                  <a:schemeClr val="tx1"/>
-                </a:solidFill>
-                <a:latin typeface="+mn-lt"/>
-                <a:ea typeface="+mn-ea"/>
-                <a:cs typeface="+mn-cs"/>
-              </a:rPr>
-              <a:t>isoforms</a:t>
-            </a:r>
-            <a:r>
-              <a:rPr lang="fr-FR" sz="1200" kern="1200" dirty="0" smtClean="0">
-                <a:solidFill>
-                  <a:schemeClr val="tx1"/>
-                </a:solidFill>
-                <a:latin typeface="+mn-lt"/>
-                <a:ea typeface="+mn-ea"/>
-                <a:cs typeface="+mn-cs"/>
-              </a:rPr>
-              <a:t> </a:t>
-            </a:r>
-            <a:r>
-              <a:rPr lang="fr-FR" sz="1200" kern="1200" dirty="0" err="1" smtClean="0">
-                <a:solidFill>
-                  <a:schemeClr val="tx1"/>
-                </a:solidFill>
-                <a:latin typeface="+mn-lt"/>
-                <a:ea typeface="+mn-ea"/>
-                <a:cs typeface="+mn-cs"/>
-              </a:rPr>
-              <a:t>resulting</a:t>
-            </a:r>
-            <a:r>
-              <a:rPr lang="fr-FR" sz="1200" kern="1200" dirty="0" smtClean="0">
-                <a:solidFill>
-                  <a:schemeClr val="tx1"/>
-                </a:solidFill>
-                <a:latin typeface="+mn-lt"/>
-                <a:ea typeface="+mn-ea"/>
-                <a:cs typeface="+mn-cs"/>
-              </a:rPr>
-              <a:t> </a:t>
-            </a:r>
-            <a:r>
-              <a:rPr lang="fr-FR" sz="1200" kern="1200" dirty="0" err="1" smtClean="0">
-                <a:solidFill>
-                  <a:schemeClr val="tx1"/>
-                </a:solidFill>
-                <a:latin typeface="+mn-lt"/>
-                <a:ea typeface="+mn-ea"/>
-                <a:cs typeface="+mn-cs"/>
-              </a:rPr>
-              <a:t>from</a:t>
-            </a:r>
-            <a:r>
-              <a:rPr lang="fr-FR" sz="1200" kern="1200" dirty="0" smtClean="0">
-                <a:solidFill>
-                  <a:schemeClr val="tx1"/>
-                </a:solidFill>
-                <a:latin typeface="+mn-lt"/>
-                <a:ea typeface="+mn-ea"/>
-                <a:cs typeface="+mn-cs"/>
-              </a:rPr>
-              <a:t> </a:t>
-            </a:r>
-            <a:r>
-              <a:rPr lang="fr-FR" sz="1200" kern="1200" dirty="0" err="1" smtClean="0">
-                <a:solidFill>
-                  <a:schemeClr val="tx1"/>
-                </a:solidFill>
-                <a:latin typeface="+mn-lt"/>
-                <a:ea typeface="+mn-ea"/>
-                <a:cs typeface="+mn-cs"/>
-              </a:rPr>
-              <a:t>iterations</a:t>
-            </a:r>
-            <a:r>
-              <a:rPr lang="fr-FR" sz="1200" kern="1200" dirty="0" smtClean="0">
-                <a:solidFill>
-                  <a:schemeClr val="tx1"/>
-                </a:solidFill>
-                <a:latin typeface="+mn-lt"/>
-                <a:ea typeface="+mn-ea"/>
-                <a:cs typeface="+mn-cs"/>
-              </a:rPr>
-              <a:t> of expectation </a:t>
-            </a:r>
-            <a:r>
-              <a:rPr lang="fr-FR" sz="1200" kern="1200" dirty="0" err="1" smtClean="0">
-                <a:solidFill>
-                  <a:schemeClr val="tx1"/>
-                </a:solidFill>
-                <a:latin typeface="+mn-lt"/>
-                <a:ea typeface="+mn-ea"/>
-                <a:cs typeface="+mn-cs"/>
-              </a:rPr>
-              <a:t>maximization</a:t>
-            </a:r>
-            <a:r>
-              <a:rPr lang="fr-FR" sz="1200" kern="1200" dirty="0" smtClean="0">
-                <a:solidFill>
-                  <a:schemeClr val="tx1"/>
-                </a:solidFill>
-                <a:latin typeface="+mn-lt"/>
-                <a:ea typeface="+mn-ea"/>
-                <a:cs typeface="+mn-cs"/>
-              </a:rPr>
-              <a:t> are </a:t>
-            </a:r>
-            <a:r>
-              <a:rPr lang="fr-FR" sz="1200" kern="1200" dirty="0" err="1" smtClean="0">
-                <a:solidFill>
-                  <a:schemeClr val="tx1"/>
-                </a:solidFill>
-                <a:latin typeface="+mn-lt"/>
-                <a:ea typeface="+mn-ea"/>
-                <a:cs typeface="+mn-cs"/>
-              </a:rPr>
-              <a:t>illustrated</a:t>
-            </a:r>
-            <a:r>
-              <a:rPr lang="fr-FR" sz="1200" kern="1200" dirty="0" smtClean="0">
-                <a:solidFill>
-                  <a:schemeClr val="tx1"/>
-                </a:solidFill>
-                <a:latin typeface="+mn-lt"/>
-                <a:ea typeface="+mn-ea"/>
-                <a:cs typeface="+mn-cs"/>
-              </a:rPr>
-              <a:t> as </a:t>
-            </a:r>
-            <a:r>
-              <a:rPr lang="fr-FR" sz="1200" kern="1200" dirty="0" err="1" smtClean="0">
-                <a:solidFill>
-                  <a:schemeClr val="tx1"/>
-                </a:solidFill>
-                <a:latin typeface="+mn-lt"/>
-                <a:ea typeface="+mn-ea"/>
-                <a:cs typeface="+mn-cs"/>
-              </a:rPr>
-              <a:t>filled</a:t>
-            </a:r>
-            <a:r>
-              <a:rPr lang="fr-FR" sz="1200" kern="1200" dirty="0" smtClean="0">
-                <a:solidFill>
-                  <a:schemeClr val="tx1"/>
-                </a:solidFill>
-                <a:latin typeface="+mn-lt"/>
-                <a:ea typeface="+mn-ea"/>
-                <a:cs typeface="+mn-cs"/>
-              </a:rPr>
-              <a:t> short bars (right), and </a:t>
-            </a:r>
-            <a:r>
-              <a:rPr lang="fr-FR" sz="1200" kern="1200" dirty="0" err="1" smtClean="0">
-                <a:solidFill>
-                  <a:schemeClr val="tx1"/>
-                </a:solidFill>
-                <a:latin typeface="+mn-lt"/>
-                <a:ea typeface="+mn-ea"/>
-                <a:cs typeface="+mn-cs"/>
-              </a:rPr>
-              <a:t>eliminated</a:t>
-            </a:r>
-            <a:r>
-              <a:rPr lang="fr-FR" sz="1200" kern="1200" dirty="0" smtClean="0">
-                <a:solidFill>
-                  <a:schemeClr val="tx1"/>
-                </a:solidFill>
-                <a:latin typeface="+mn-lt"/>
-                <a:ea typeface="+mn-ea"/>
-                <a:cs typeface="+mn-cs"/>
-              </a:rPr>
-              <a:t> </a:t>
-            </a:r>
-            <a:r>
-              <a:rPr lang="fr-FR" sz="1200" kern="1200" dirty="0" err="1" smtClean="0">
-                <a:solidFill>
-                  <a:schemeClr val="tx1"/>
-                </a:solidFill>
-                <a:latin typeface="+mn-lt"/>
-                <a:ea typeface="+mn-ea"/>
-                <a:cs typeface="+mn-cs"/>
-              </a:rPr>
-              <a:t>assignments</a:t>
-            </a:r>
-            <a:r>
-              <a:rPr lang="fr-FR" sz="1200" kern="1200" dirty="0" smtClean="0">
-                <a:solidFill>
-                  <a:schemeClr val="tx1"/>
-                </a:solidFill>
-                <a:latin typeface="+mn-lt"/>
-                <a:ea typeface="+mn-ea"/>
-                <a:cs typeface="+mn-cs"/>
-              </a:rPr>
-              <a:t> are </a:t>
-            </a:r>
-            <a:r>
-              <a:rPr lang="fr-FR" sz="1200" kern="1200" dirty="0" err="1" smtClean="0">
-                <a:solidFill>
-                  <a:schemeClr val="tx1"/>
-                </a:solidFill>
-                <a:latin typeface="+mn-lt"/>
-                <a:ea typeface="+mn-ea"/>
-                <a:cs typeface="+mn-cs"/>
-              </a:rPr>
-              <a:t>shown</a:t>
-            </a:r>
-            <a:r>
-              <a:rPr lang="fr-FR" sz="1200" kern="1200" dirty="0" smtClean="0">
-                <a:solidFill>
-                  <a:schemeClr val="tx1"/>
-                </a:solidFill>
-                <a:latin typeface="+mn-lt"/>
-                <a:ea typeface="+mn-ea"/>
-                <a:cs typeface="+mn-cs"/>
-              </a:rPr>
-              <a:t> as </a:t>
-            </a:r>
-            <a:r>
-              <a:rPr lang="fr-FR" sz="1200" kern="1200" dirty="0" err="1" smtClean="0">
-                <a:solidFill>
-                  <a:schemeClr val="tx1"/>
-                </a:solidFill>
-                <a:latin typeface="+mn-lt"/>
-                <a:ea typeface="+mn-ea"/>
-                <a:cs typeface="+mn-cs"/>
-              </a:rPr>
-              <a:t>hollow</a:t>
-            </a:r>
-            <a:r>
-              <a:rPr lang="fr-FR" sz="1200" kern="1200" dirty="0" smtClean="0">
-                <a:solidFill>
-                  <a:schemeClr val="tx1"/>
-                </a:solidFill>
-                <a:latin typeface="+mn-lt"/>
-                <a:ea typeface="+mn-ea"/>
-                <a:cs typeface="+mn-cs"/>
-              </a:rPr>
-              <a:t> bars. Note </a:t>
-            </a:r>
-            <a:r>
-              <a:rPr lang="fr-FR" sz="1200" kern="1200" dirty="0" err="1" smtClean="0">
-                <a:solidFill>
-                  <a:schemeClr val="tx1"/>
-                </a:solidFill>
-                <a:latin typeface="+mn-lt"/>
-                <a:ea typeface="+mn-ea"/>
-                <a:cs typeface="+mn-cs"/>
-              </a:rPr>
-              <a:t>that</a:t>
-            </a:r>
-            <a:r>
-              <a:rPr lang="fr-FR" sz="1200" kern="1200" dirty="0" smtClean="0">
-                <a:solidFill>
-                  <a:schemeClr val="tx1"/>
-                </a:solidFill>
-                <a:latin typeface="+mn-lt"/>
-                <a:ea typeface="+mn-ea"/>
-                <a:cs typeface="+mn-cs"/>
-              </a:rPr>
-              <a:t> </a:t>
-            </a:r>
-            <a:r>
-              <a:rPr lang="fr-FR" sz="1200" kern="1200" dirty="0" err="1" smtClean="0">
-                <a:solidFill>
-                  <a:schemeClr val="tx1"/>
-                </a:solidFill>
-                <a:latin typeface="+mn-lt"/>
-                <a:ea typeface="+mn-ea"/>
-                <a:cs typeface="+mn-cs"/>
-              </a:rPr>
-              <a:t>assignments</a:t>
-            </a:r>
-            <a:r>
-              <a:rPr lang="fr-FR" sz="1200" kern="1200" dirty="0" smtClean="0">
-                <a:solidFill>
-                  <a:schemeClr val="tx1"/>
-                </a:solidFill>
-                <a:latin typeface="+mn-lt"/>
-                <a:ea typeface="+mn-ea"/>
-                <a:cs typeface="+mn-cs"/>
-              </a:rPr>
-              <a:t> of </a:t>
-            </a:r>
-            <a:r>
-              <a:rPr lang="fr-FR" sz="1200" kern="1200" dirty="0" err="1" smtClean="0">
-                <a:solidFill>
-                  <a:schemeClr val="tx1"/>
-                </a:solidFill>
-                <a:latin typeface="+mn-lt"/>
-                <a:ea typeface="+mn-ea"/>
-                <a:cs typeface="+mn-cs"/>
-              </a:rPr>
-              <a:t>multiply-mapped</a:t>
-            </a:r>
-            <a:r>
-              <a:rPr lang="fr-FR" sz="1200" kern="1200" dirty="0" smtClean="0">
-                <a:solidFill>
-                  <a:schemeClr val="tx1"/>
-                </a:solidFill>
-                <a:latin typeface="+mn-lt"/>
-                <a:ea typeface="+mn-ea"/>
-                <a:cs typeface="+mn-cs"/>
-              </a:rPr>
-              <a:t> </a:t>
-            </a:r>
-            <a:r>
-              <a:rPr lang="fr-FR" sz="1200" kern="1200" dirty="0" err="1" smtClean="0">
-                <a:solidFill>
-                  <a:schemeClr val="tx1"/>
-                </a:solidFill>
-                <a:latin typeface="+mn-lt"/>
-                <a:ea typeface="+mn-ea"/>
-                <a:cs typeface="+mn-cs"/>
-              </a:rPr>
-              <a:t>reads</a:t>
-            </a:r>
-            <a:r>
-              <a:rPr lang="fr-FR" sz="1200" kern="1200" dirty="0" smtClean="0">
-                <a:solidFill>
-                  <a:schemeClr val="tx1"/>
-                </a:solidFill>
-                <a:latin typeface="+mn-lt"/>
-                <a:ea typeface="+mn-ea"/>
-                <a:cs typeface="+mn-cs"/>
-              </a:rPr>
-              <a:t> are in </a:t>
-            </a:r>
-            <a:r>
-              <a:rPr lang="fr-FR" sz="1200" kern="1200" dirty="0" err="1" smtClean="0">
-                <a:solidFill>
-                  <a:schemeClr val="tx1"/>
-                </a:solidFill>
-                <a:latin typeface="+mn-lt"/>
-                <a:ea typeface="+mn-ea"/>
-                <a:cs typeface="+mn-cs"/>
-              </a:rPr>
-              <a:t>fact</a:t>
-            </a:r>
-            <a:r>
-              <a:rPr lang="fr-FR" sz="1200" kern="1200" dirty="0" smtClean="0">
-                <a:solidFill>
-                  <a:schemeClr val="tx1"/>
-                </a:solidFill>
-                <a:latin typeface="+mn-lt"/>
-                <a:ea typeface="+mn-ea"/>
-                <a:cs typeface="+mn-cs"/>
-              </a:rPr>
-              <a:t> </a:t>
-            </a:r>
-            <a:r>
-              <a:rPr lang="fr-FR" sz="1200" kern="1200" dirty="0" err="1" smtClean="0">
-                <a:solidFill>
-                  <a:schemeClr val="tx1"/>
-                </a:solidFill>
-                <a:latin typeface="+mn-lt"/>
-                <a:ea typeface="+mn-ea"/>
-                <a:cs typeface="+mn-cs"/>
-              </a:rPr>
-              <a:t>performed</a:t>
-            </a:r>
-            <a:r>
-              <a:rPr lang="fr-FR" sz="1200" kern="1200" dirty="0" smtClean="0">
-                <a:solidFill>
-                  <a:schemeClr val="tx1"/>
-                </a:solidFill>
-                <a:latin typeface="+mn-lt"/>
-                <a:ea typeface="+mn-ea"/>
-                <a:cs typeface="+mn-cs"/>
-              </a:rPr>
-              <a:t> </a:t>
-            </a:r>
-            <a:r>
-              <a:rPr lang="fr-FR" sz="1200" kern="1200" dirty="0" err="1" smtClean="0">
-                <a:solidFill>
-                  <a:schemeClr val="tx1"/>
-                </a:solidFill>
-                <a:latin typeface="+mn-lt"/>
-                <a:ea typeface="+mn-ea"/>
-                <a:cs typeface="+mn-cs"/>
-              </a:rPr>
-              <a:t>fractionally</a:t>
-            </a:r>
-            <a:r>
-              <a:rPr lang="fr-FR" sz="1200" kern="1200" dirty="0" smtClean="0">
-                <a:solidFill>
-                  <a:schemeClr val="tx1"/>
-                </a:solidFill>
-                <a:latin typeface="+mn-lt"/>
-                <a:ea typeface="+mn-ea"/>
-                <a:cs typeface="+mn-cs"/>
-              </a:rPr>
-              <a:t> </a:t>
-            </a:r>
-            <a:r>
-              <a:rPr lang="fr-FR" sz="1200" kern="1200" dirty="0" err="1" smtClean="0">
-                <a:solidFill>
-                  <a:schemeClr val="tx1"/>
-                </a:solidFill>
-                <a:latin typeface="+mn-lt"/>
-                <a:ea typeface="+mn-ea"/>
-                <a:cs typeface="+mn-cs"/>
-              </a:rPr>
-              <a:t>according</a:t>
-            </a:r>
-            <a:r>
-              <a:rPr lang="fr-FR" sz="1200" kern="1200" dirty="0" smtClean="0">
-                <a:solidFill>
-                  <a:schemeClr val="tx1"/>
-                </a:solidFill>
-                <a:latin typeface="+mn-lt"/>
-                <a:ea typeface="+mn-ea"/>
-                <a:cs typeface="+mn-cs"/>
-              </a:rPr>
-              <a:t> to a maximum </a:t>
-            </a:r>
-            <a:r>
-              <a:rPr lang="fr-FR" sz="1200" kern="1200" dirty="0" err="1" smtClean="0">
-                <a:solidFill>
-                  <a:schemeClr val="tx1"/>
-                </a:solidFill>
-                <a:latin typeface="+mn-lt"/>
-                <a:ea typeface="+mn-ea"/>
-                <a:cs typeface="+mn-cs"/>
-              </a:rPr>
-              <a:t>likelihood</a:t>
-            </a:r>
-            <a:r>
-              <a:rPr lang="fr-FR" sz="1200" kern="1200" dirty="0" smtClean="0">
-                <a:solidFill>
-                  <a:schemeClr val="tx1"/>
-                </a:solidFill>
-                <a:latin typeface="+mn-lt"/>
-                <a:ea typeface="+mn-ea"/>
-                <a:cs typeface="+mn-cs"/>
-              </a:rPr>
-              <a:t> </a:t>
-            </a:r>
-            <a:r>
-              <a:rPr lang="fr-FR" sz="1200" kern="1200" dirty="0" err="1" smtClean="0">
-                <a:solidFill>
-                  <a:schemeClr val="tx1"/>
-                </a:solidFill>
-                <a:latin typeface="+mn-lt"/>
-                <a:ea typeface="+mn-ea"/>
-                <a:cs typeface="+mn-cs"/>
-              </a:rPr>
-              <a:t>estimate</a:t>
-            </a:r>
-            <a:r>
-              <a:rPr lang="fr-FR" sz="1200" kern="1200" dirty="0" smtClean="0">
-                <a:solidFill>
-                  <a:schemeClr val="tx1"/>
-                </a:solidFill>
-                <a:latin typeface="+mn-lt"/>
-                <a:ea typeface="+mn-ea"/>
-                <a:cs typeface="+mn-cs"/>
-              </a:rPr>
-              <a:t>. </a:t>
-            </a:r>
-            <a:r>
-              <a:rPr lang="fr-FR" sz="1200" kern="1200" dirty="0" err="1" smtClean="0">
-                <a:solidFill>
-                  <a:schemeClr val="tx1"/>
-                </a:solidFill>
-                <a:latin typeface="+mn-lt"/>
-                <a:ea typeface="+mn-ea"/>
-                <a:cs typeface="+mn-cs"/>
-              </a:rPr>
-              <a:t>Thus</a:t>
-            </a:r>
-            <a:r>
-              <a:rPr lang="fr-FR" sz="1200" kern="1200" dirty="0" smtClean="0">
-                <a:solidFill>
-                  <a:schemeClr val="tx1"/>
-                </a:solidFill>
-                <a:latin typeface="+mn-lt"/>
-                <a:ea typeface="+mn-ea"/>
-                <a:cs typeface="+mn-cs"/>
-              </a:rPr>
-              <a:t>, in </a:t>
-            </a:r>
-            <a:r>
-              <a:rPr lang="fr-FR" sz="1200" kern="1200" dirty="0" err="1" smtClean="0">
-                <a:solidFill>
-                  <a:schemeClr val="tx1"/>
-                </a:solidFill>
-                <a:latin typeface="+mn-lt"/>
-                <a:ea typeface="+mn-ea"/>
-                <a:cs typeface="+mn-cs"/>
-              </a:rPr>
-              <a:t>this</a:t>
-            </a:r>
-            <a:r>
-              <a:rPr lang="fr-FR" sz="1200" kern="1200" dirty="0" smtClean="0">
-                <a:solidFill>
-                  <a:schemeClr val="tx1"/>
-                </a:solidFill>
-                <a:latin typeface="+mn-lt"/>
-                <a:ea typeface="+mn-ea"/>
-                <a:cs typeface="+mn-cs"/>
-              </a:rPr>
-              <a:t> </a:t>
-            </a:r>
-            <a:r>
-              <a:rPr lang="fr-FR" sz="1200" kern="1200" dirty="0" err="1" smtClean="0">
-                <a:solidFill>
-                  <a:schemeClr val="tx1"/>
-                </a:solidFill>
-                <a:latin typeface="+mn-lt"/>
-                <a:ea typeface="+mn-ea"/>
-                <a:cs typeface="+mn-cs"/>
-              </a:rPr>
-              <a:t>example</a:t>
-            </a:r>
-            <a:r>
-              <a:rPr lang="fr-FR" sz="1200" kern="1200" dirty="0" smtClean="0">
-                <a:solidFill>
-                  <a:schemeClr val="tx1"/>
-                </a:solidFill>
-                <a:latin typeface="+mn-lt"/>
-                <a:ea typeface="+mn-ea"/>
-                <a:cs typeface="+mn-cs"/>
-              </a:rPr>
-              <a:t>, a </a:t>
-            </a:r>
-            <a:r>
-              <a:rPr lang="fr-FR" sz="1200" kern="1200" dirty="0" err="1" smtClean="0">
-                <a:solidFill>
-                  <a:schemeClr val="tx1"/>
-                </a:solidFill>
-                <a:latin typeface="+mn-lt"/>
-                <a:ea typeface="+mn-ea"/>
-                <a:cs typeface="+mn-cs"/>
-              </a:rPr>
-              <a:t>higher</a:t>
-            </a:r>
-            <a:r>
-              <a:rPr lang="fr-FR" sz="1200" kern="1200" dirty="0" smtClean="0">
-                <a:solidFill>
-                  <a:schemeClr val="tx1"/>
-                </a:solidFill>
-                <a:latin typeface="+mn-lt"/>
-                <a:ea typeface="+mn-ea"/>
-                <a:cs typeface="+mn-cs"/>
-              </a:rPr>
-              <a:t> fraction of </a:t>
-            </a:r>
-            <a:r>
-              <a:rPr lang="fr-FR" sz="1200" kern="1200" dirty="0" err="1" smtClean="0">
-                <a:solidFill>
-                  <a:schemeClr val="tx1"/>
-                </a:solidFill>
-                <a:latin typeface="+mn-lt"/>
-                <a:ea typeface="+mn-ea"/>
-                <a:cs typeface="+mn-cs"/>
-              </a:rPr>
-              <a:t>each</a:t>
-            </a:r>
-            <a:r>
-              <a:rPr lang="fr-FR" sz="1200" kern="1200" dirty="0" smtClean="0">
-                <a:solidFill>
-                  <a:schemeClr val="tx1"/>
-                </a:solidFill>
-                <a:latin typeface="+mn-lt"/>
-                <a:ea typeface="+mn-ea"/>
-                <a:cs typeface="+mn-cs"/>
-              </a:rPr>
-              <a:t> </a:t>
-            </a:r>
-            <a:r>
-              <a:rPr lang="fr-FR" sz="1200" kern="1200" dirty="0" err="1" smtClean="0">
-                <a:solidFill>
-                  <a:schemeClr val="tx1"/>
-                </a:solidFill>
-                <a:latin typeface="+mn-lt"/>
-                <a:ea typeface="+mn-ea"/>
-                <a:cs typeface="+mn-cs"/>
-              </a:rPr>
-              <a:t>read</a:t>
-            </a:r>
-            <a:r>
-              <a:rPr lang="fr-FR" sz="1200" kern="1200" dirty="0" smtClean="0">
-                <a:solidFill>
-                  <a:schemeClr val="tx1"/>
-                </a:solidFill>
-                <a:latin typeface="+mn-lt"/>
-                <a:ea typeface="+mn-ea"/>
-                <a:cs typeface="+mn-cs"/>
-              </a:rPr>
-              <a:t> </a:t>
-            </a:r>
-            <a:r>
-              <a:rPr lang="fr-FR" sz="1200" kern="1200" dirty="0" err="1" smtClean="0">
-                <a:solidFill>
-                  <a:schemeClr val="tx1"/>
-                </a:solidFill>
-                <a:latin typeface="+mn-lt"/>
-                <a:ea typeface="+mn-ea"/>
-                <a:cs typeface="+mn-cs"/>
-              </a:rPr>
-              <a:t>is</a:t>
-            </a:r>
-            <a:r>
-              <a:rPr lang="fr-FR" sz="1200" kern="1200" dirty="0" smtClean="0">
-                <a:solidFill>
-                  <a:schemeClr val="tx1"/>
-                </a:solidFill>
-                <a:latin typeface="+mn-lt"/>
-                <a:ea typeface="+mn-ea"/>
-                <a:cs typeface="+mn-cs"/>
-              </a:rPr>
-              <a:t> </a:t>
-            </a:r>
-            <a:r>
-              <a:rPr lang="fr-FR" sz="1200" kern="1200" dirty="0" err="1" smtClean="0">
-                <a:solidFill>
-                  <a:schemeClr val="tx1"/>
-                </a:solidFill>
-                <a:latin typeface="+mn-lt"/>
-                <a:ea typeface="+mn-ea"/>
-                <a:cs typeface="+mn-cs"/>
-              </a:rPr>
-              <a:t>assigned</a:t>
-            </a:r>
-            <a:r>
-              <a:rPr lang="fr-FR" sz="1200" kern="1200" dirty="0" smtClean="0">
-                <a:solidFill>
-                  <a:schemeClr val="tx1"/>
-                </a:solidFill>
-                <a:latin typeface="+mn-lt"/>
-                <a:ea typeface="+mn-ea"/>
-                <a:cs typeface="+mn-cs"/>
-              </a:rPr>
-              <a:t> to the more </a:t>
-            </a:r>
-            <a:r>
-              <a:rPr lang="fr-FR" sz="1200" kern="1200" dirty="0" err="1" smtClean="0">
-                <a:solidFill>
-                  <a:schemeClr val="tx1"/>
-                </a:solidFill>
-                <a:latin typeface="+mn-lt"/>
-                <a:ea typeface="+mn-ea"/>
-                <a:cs typeface="+mn-cs"/>
-              </a:rPr>
-              <a:t>highly</a:t>
-            </a:r>
-            <a:r>
-              <a:rPr lang="fr-FR" sz="1200" kern="1200" dirty="0" smtClean="0">
-                <a:solidFill>
-                  <a:schemeClr val="tx1"/>
-                </a:solidFill>
-                <a:latin typeface="+mn-lt"/>
-                <a:ea typeface="+mn-ea"/>
-                <a:cs typeface="+mn-cs"/>
-              </a:rPr>
-              <a:t> </a:t>
-            </a:r>
-            <a:r>
-              <a:rPr lang="fr-FR" sz="1200" kern="1200" dirty="0" err="1" smtClean="0">
-                <a:solidFill>
-                  <a:schemeClr val="tx1"/>
-                </a:solidFill>
-                <a:latin typeface="+mn-lt"/>
-                <a:ea typeface="+mn-ea"/>
-                <a:cs typeface="+mn-cs"/>
-              </a:rPr>
-              <a:t>expressed</a:t>
-            </a:r>
-            <a:r>
-              <a:rPr lang="fr-FR" sz="1200" kern="1200" dirty="0" smtClean="0">
-                <a:solidFill>
-                  <a:schemeClr val="tx1"/>
-                </a:solidFill>
-                <a:latin typeface="+mn-lt"/>
-                <a:ea typeface="+mn-ea"/>
-                <a:cs typeface="+mn-cs"/>
-              </a:rPr>
-              <a:t> top </a:t>
-            </a:r>
-            <a:r>
-              <a:rPr lang="fr-FR" sz="1200" kern="1200" dirty="0" err="1" smtClean="0">
-                <a:solidFill>
-                  <a:schemeClr val="tx1"/>
-                </a:solidFill>
-                <a:latin typeface="+mn-lt"/>
-                <a:ea typeface="+mn-ea"/>
-                <a:cs typeface="+mn-cs"/>
-              </a:rPr>
-              <a:t>isoform</a:t>
-            </a:r>
-            <a:r>
-              <a:rPr lang="fr-FR" sz="1200" kern="1200" dirty="0" smtClean="0">
-                <a:solidFill>
-                  <a:schemeClr val="tx1"/>
-                </a:solidFill>
-                <a:latin typeface="+mn-lt"/>
-                <a:ea typeface="+mn-ea"/>
-                <a:cs typeface="+mn-cs"/>
-              </a:rPr>
-              <a:t> </a:t>
-            </a:r>
-            <a:r>
-              <a:rPr lang="fr-FR" sz="1200" kern="1200" dirty="0" err="1" smtClean="0">
-                <a:solidFill>
-                  <a:schemeClr val="tx1"/>
-                </a:solidFill>
-                <a:latin typeface="+mn-lt"/>
-                <a:ea typeface="+mn-ea"/>
-                <a:cs typeface="+mn-cs"/>
-              </a:rPr>
-              <a:t>than</a:t>
-            </a:r>
-            <a:r>
-              <a:rPr lang="fr-FR" sz="1200" kern="1200" dirty="0" smtClean="0">
-                <a:solidFill>
-                  <a:schemeClr val="tx1"/>
-                </a:solidFill>
-                <a:latin typeface="+mn-lt"/>
-                <a:ea typeface="+mn-ea"/>
-                <a:cs typeface="+mn-cs"/>
-              </a:rPr>
-              <a:t> to the </a:t>
-            </a:r>
-            <a:r>
-              <a:rPr lang="fr-FR" sz="1200" kern="1200" dirty="0" err="1" smtClean="0">
-                <a:solidFill>
-                  <a:schemeClr val="tx1"/>
-                </a:solidFill>
-                <a:latin typeface="+mn-lt"/>
-                <a:ea typeface="+mn-ea"/>
-                <a:cs typeface="+mn-cs"/>
-              </a:rPr>
-              <a:t>bottom</a:t>
-            </a:r>
-            <a:r>
-              <a:rPr lang="fr-FR" sz="1200" kern="1200" dirty="0" smtClean="0">
-                <a:solidFill>
-                  <a:schemeClr val="tx1"/>
-                </a:solidFill>
-                <a:latin typeface="+mn-lt"/>
-                <a:ea typeface="+mn-ea"/>
-                <a:cs typeface="+mn-cs"/>
-              </a:rPr>
-              <a:t> </a:t>
-            </a:r>
-            <a:r>
-              <a:rPr lang="fr-FR" sz="1200" kern="1200" dirty="0" err="1" smtClean="0">
-                <a:solidFill>
-                  <a:schemeClr val="tx1"/>
-                </a:solidFill>
-                <a:latin typeface="+mn-lt"/>
-                <a:ea typeface="+mn-ea"/>
-                <a:cs typeface="+mn-cs"/>
-              </a:rPr>
-              <a:t>isoform</a:t>
-            </a:r>
-            <a:r>
-              <a:rPr lang="fr-FR" sz="1200" kern="1200" dirty="0" smtClean="0">
-                <a:solidFill>
-                  <a:schemeClr val="tx1"/>
-                </a:solidFill>
-                <a:latin typeface="+mn-lt"/>
-                <a:ea typeface="+mn-ea"/>
-                <a:cs typeface="+mn-cs"/>
-              </a:rPr>
-              <a:t>.</a:t>
-            </a:r>
             <a:endParaRPr lang="fr-FR" dirty="0"/>
           </a:p>
         </p:txBody>
@@ -5994,7 +4025,11 @@
             <a:pPr lvl="1"/>
             <a:r>
               <a:rPr lang="fr-FR" dirty="0" smtClean="0"/>
-              <a:t>Le rapport HTML</a:t>
+              <a:t>Le rapport </a:t>
+            </a:r>
+            <a:r>
+              <a:rPr lang="fr-FR" dirty="0" smtClean="0"/>
+              <a:t>HTML ou PDF</a:t>
             </a:r>
             <a:endParaRPr lang="fr-FR" dirty="0"/>
           </a:p>
@@ -6418,19 +4453,7 @@
             <a:pPr lvl="1"/>
             <a:r>
               <a:rPr lang="fr-FR" dirty="0" smtClean="0"/>
-              <a:t>Eviter d’utiliser les </a:t>
-            </a:r>
-            <a:r>
-              <a:rPr lang="fr-FR" dirty="0" smtClean="0"/>
-              <a:t>m</a:t>
-            </a:r>
-            <a:r>
-              <a:rPr lang="fr-FR" dirty="0" smtClean="0"/>
-              <a:t>ê</a:t>
-            </a:r>
-            <a:r>
-              <a:rPr lang="fr-FR" dirty="0" smtClean="0"/>
-              <a:t>me </a:t>
+              <a:t>Eviter d’utiliser les même </a:t>
             </a:r>
             <a:r>
               <a:rPr lang="fr-FR" dirty="0" err="1" smtClean="0"/>
@@ -6438,11 +4461,7 @@
             </a:r>
             <a:r>
               <a:rPr lang="fr-FR" dirty="0" smtClean="0"/>
-              <a:t> </a:t>
-            </a:r>
-            <a:r>
-              <a:rPr lang="fr-FR" dirty="0" smtClean="0"/>
-              <a:t>pour les </a:t>
+              <a:t> pour les </a:t>
             </a:r>
             <a:r>
               <a:rPr lang="fr-FR" dirty="0" err="1" smtClean="0"/>
@@ -6460,11 +4479,7 @@
             <a:pPr lvl="1"/>
             <a:r>
               <a:rPr lang="fr-FR" dirty="0" smtClean="0"/>
-              <a:t>La </a:t>
-            </a:r>
-            <a:r>
-              <a:rPr lang="fr-FR" dirty="0" smtClean="0"/>
-              <a:t>génération des </a:t>
+              <a:t>La génération des </a:t>
             </a:r>
             <a:r>
               <a:rPr lang="fr-FR" dirty="0" err="1" smtClean="0"/>
@@ -6557,11 +4572,7 @@
             <a:pPr lvl="1"/>
             <a:r>
               <a:rPr lang="fr-FR" dirty="0" smtClean="0"/>
-              <a:t>A </a:t>
-            </a:r>
-            <a:r>
-              <a:rPr lang="fr-FR" dirty="0" smtClean="0"/>
-              <a:t>niveau d’expression </a:t>
+              <a:t>A niveau d’expression </a:t>
             </a:r>
             <a:r>
               <a:rPr lang="fr-FR" dirty="0"/>
@@ -6569,11 +4580,7 @@
             </a:r>
             <a:r>
               <a:rPr lang="fr-FR" dirty="0" smtClean="0"/>
-              <a:t>gal</a:t>
-            </a:r>
-            <a:r>
-              <a:rPr lang="fr-FR" dirty="0" smtClean="0"/>
-              <a:t>, un long gène aura plus de </a:t>
+              <a:t>gal, un long gène aura plus de </a:t>
             </a:r>
             <a:r>
               <a:rPr lang="fr-FR" dirty="0" err="1" smtClean="0"/>
@@ -7349,8 +5356,8 @@
         </p:nvSpPr>
         <p:spPr>
           <a:xfrm>
-            <a:off x="2446629" y="2727403"/>
-            <a:ext cx="3623145" cy="646331"/>
+            <a:off x="6596338" y="2373460"/>
+            <a:ext cx="1608997" cy="369332"/>
           </a:xfrm>
           <a:prstGeom prst="rect">
             <a:avLst/>
@@ -7364,37 +5371,14 @@
           <a:p>
             <a:pPr algn="ctr"/>
             <a:r>
+              <a:rPr lang="fr-FR" dirty="0" err="1" smtClean="0"/>
+              <a:t>Feature</a:t>
+            </a:r>
+            <a:r>
               <a:rPr lang="fr-FR" dirty="0" smtClean="0"/>
-              <a:t>RSEM</a:t>
-            </a:r>
-          </a:p>
-          <a:p>
-            <a:pPr algn="ctr"/>
-            <a:r>
-              <a:rPr lang="fr-FR" dirty="0"/>
-              <a:t>(</a:t>
-            </a:r>
-            <a:r>
-              <a:rPr lang="fr-FR" dirty="0" smtClean="0"/>
-              <a:t>http</a:t>
-            </a:r>
-            <a:r>
-              <a:rPr lang="fr-FR" dirty="0"/>
-              <a:t>://</a:t>
-            </a:r>
-            <a:r>
-              <a:rPr lang="fr-FR" dirty="0" err="1"/>
-              <a:t>deweylab.github.io</a:t>
-            </a:r>
-            <a:r>
-              <a:rPr lang="fr-FR" dirty="0"/>
-              <a:t>/RSEM</a:t>
-            </a:r>
-            <a:r>
-              <a:rPr lang="fr-FR" dirty="0" smtClean="0"/>
-              <a:t>/)</a:t>
-            </a:r>
-            <a:endParaRPr lang="fr-FR" dirty="0"/>
+              <a:t> count</a:t>
+            </a:r>
+            <a:endParaRPr lang="fr-FR" dirty="0" smtClean="0"/>
           </a:p>
         </p:txBody>
       </p:sp>
@@ -7406,7 +5390,7 @@
         </p:nvSpPr>
         <p:spPr>
           <a:xfrm>
-            <a:off x="2706928" y="2010246"/>
+            <a:off x="5849563" y="1656303"/>
             <a:ext cx="3142635" cy="707886"/>
           </a:xfrm>
           <a:prstGeom prst="rect">
@@ -7486,32 +5470,132 @@
       </p:sp>
       <p:pic>
         <p:nvPicPr>
-          <p:cNvPr id="7" name="Image 6"/>
+          <p:cNvPr id="2" name="Image 1"/>
           <p:cNvPicPr>
             <a:picLocks noChangeAspect="1"/>
           </p:cNvPicPr>
           <p:nvPr/>
         </p:nvPicPr>
-        <p:blipFill>
-          <a:blip r:embed="rId3"/>
-          <a:stretch>
-            <a:fillRect/>
-          </a:stretch>
+        <p:blipFill rotWithShape="1">
+          <a:blip r:embed="rId3">
+            <a:clrChange>
+              <a:clrFrom>
+                <a:srgbClr val="FFFFFF"/>
+              </a:clrFrom>
+              <a:clrTo>
+                <a:srgbClr val="FFFFFF">
+                  <a:alpha val="0"/>
+                </a:srgbClr>
+              </a:clrTo>
+            </a:clrChange>
+          </a:blip>
+          <a:srcRect t="53797" b="-1"/>
+          <a:stretch/>
         </p:blipFill>
         <p:spPr>
           <a:xfrm>
-            <a:off x="0" y="3721564"/>
-            <a:ext cx="9144000" cy="2145844"/>
+            <a:off x="170569" y="2860058"/>
+            <a:ext cx="8861323" cy="3201556"/>
           </a:xfrm>
           <a:prstGeom prst="rect">
             <a:avLst/>
           </a:prstGeom>
         </p:spPr>
       </p:pic>
+      <p:sp>
+        <p:nvSpPr>
+          <p:cNvPr id="3" name="ZoneTexte 2"/>
+          <p:cNvSpPr txBox="1"/>
+          <p:nvPr/>
+        </p:nvSpPr>
+        <p:spPr>
+          <a:xfrm>
+            <a:off x="4644008" y="3713805"/>
+            <a:ext cx="710802" cy="369332"/>
+          </a:xfrm>
+          <a:prstGeom prst="rect">
+            <a:avLst/>
+          </a:prstGeom>
+          <a:noFill/>
+        </p:spPr>
+        <p:txBody>
+          <a:bodyPr wrap="none" rtlCol="0">
+            <a:spAutoFit/>
+          </a:bodyPr>
+          <a:lstStyle/>
+          <a:p>
+            <a:r>
+              <a:rPr lang="fr-FR" dirty="0" smtClean="0"/>
+              <a:t>Exon</a:t>
+            </a:r>
+            <a:endParaRPr lang="fr-FR" dirty="0"/>
+          </a:p>
+        </p:txBody>
+      </p:sp>
+      <p:sp>
+        <p:nvSpPr>
+          <p:cNvPr id="8" name="ZoneTexte 7"/>
+          <p:cNvSpPr txBox="1"/>
+          <p:nvPr/>
+        </p:nvSpPr>
+        <p:spPr>
+          <a:xfrm>
+            <a:off x="2402701" y="3713805"/>
+            <a:ext cx="710802" cy="369332"/>
+          </a:xfrm>
+          <a:prstGeom prst="rect">
+            <a:avLst/>
+          </a:prstGeom>
+          <a:noFill/>
+        </p:spPr>
+        <p:txBody>
+          <a:bodyPr wrap="none" rtlCol="0">
+            <a:spAutoFit/>
+          </a:bodyPr>
+          <a:lstStyle/>
+          <a:p>
+            <a:r>
+              <a:rPr lang="fr-FR" dirty="0" smtClean="0"/>
+              <a:t>Exon</a:t>
+            </a:r>
+            <a:endParaRPr lang="fr-FR" dirty="0"/>
+          </a:p>
+        </p:txBody>
+      </p:sp>
+      <p:sp>
+        <p:nvSpPr>
+          <p:cNvPr id="9" name="ZoneTexte 8"/>
+          <p:cNvSpPr txBox="1"/>
+          <p:nvPr/>
+        </p:nvSpPr>
+        <p:spPr>
+          <a:xfrm>
+            <a:off x="6938680" y="3713805"/>
+            <a:ext cx="710802" cy="369332"/>
+          </a:xfrm>
+          <a:prstGeom prst="rect">
+            <a:avLst/>
+          </a:prstGeom>
+          <a:noFill/>
+        </p:spPr>
+        <p:txBody>
+          <a:bodyPr wrap="none" rtlCol="0">
+            <a:spAutoFit/>
+          </a:bodyPr>
+          <a:lstStyle/>
+          <a:p>
+            <a:r>
+              <a:rPr lang="fr-FR" dirty="0" smtClean="0"/>
+              <a:t>Exon</a:t>
+            </a:r>
+            <a:endParaRPr lang="fr-FR" dirty="0"/>
+          </a:p>
+        </p:txBody>
+      </p:sp>
     </p:spTree>
     <p:extLst>
       <p:ext uri="{BB962C8B-B14F-4D97-AF65-F5344CB8AC3E}">
-        <p14:creationId xmlns:p14="http://schemas.microsoft.com/office/powerpoint/2010/main" val="3087267715"/>
+        <p14:creationId xmlns:p14="http://schemas.microsoft.com/office/powerpoint/2010/main" val="1147920699"/>
       </p:ext>
     </p:extLst>
   </p:cSld>
@@ -7852,8 +5936,8 @@
         </p:nvSpPr>
         <p:spPr>
           <a:xfrm>
-            <a:off x="7032404" y="4187442"/>
-            <a:ext cx="851578" cy="369332"/>
+            <a:off x="6893655" y="3557794"/>
+            <a:ext cx="787395" cy="369332"/>
           </a:xfrm>
           <a:prstGeom prst="rect">
             <a:avLst/>
@@ -7868,7 +5952,7 @@
           <a:p>
             <a:r>
               <a:rPr lang="fr-FR" dirty="0" smtClean="0"/>
-              <a:t>RSEM</a:t>
+              <a:t>STAR</a:t>
             </a:r>
             <a:endParaRPr lang="fr-FR" dirty="0"/>
           </a:p>
@@ -7906,6 +5990,40 @@
             <a:r>
               <a:rPr lang="fr-FR" dirty="0" err="1" smtClean="0"/>
               <a:t>Trimmomatic</a:t>
+            </a:r>
+            <a:endParaRPr lang="fr-FR" dirty="0"/>
+          </a:p>
+        </p:txBody>
+      </p:sp>
+      <p:sp>
+        <p:nvSpPr>
+          <p:cNvPr id="11" name="ZoneTexte 10"/>
+          <p:cNvSpPr txBox="1"/>
+          <p:nvPr/>
+        </p:nvSpPr>
+        <p:spPr>
+          <a:xfrm>
+            <a:off x="6893655" y="5018816"/>
+            <a:ext cx="1660280" cy="369332"/>
+          </a:xfrm>
+          <a:prstGeom prst="rect">
+            <a:avLst/>
+          </a:prstGeom>
+          <a:noFill/>
+        </p:spPr>
+        <p:txBody>
+          <a:bodyPr wrap="none" rtlCol="0">
+            <a:spAutoFit/>
+          </a:bodyPr>
+          <a:lstStyle/>
+          <a:p>
+            <a:r>
+              <a:rPr lang="fr-FR" dirty="0" err="1" smtClean="0"/>
+              <a:t>Feature</a:t>
+            </a:r>
+            <a:r>
+              <a:rPr lang="fr-FR" dirty="0" smtClean="0"/>
+              <a:t> Count</a:t>
             </a:r>
             <a:endParaRPr lang="fr-FR" dirty="0"/>
           </a:p>
